--- a/BaoCao/BaoCaov1.pptx
+++ b/BaoCao/BaoCaov1.pptx
@@ -216,7 +216,7 @@
           <a:p>
             <a:fld id="{5F3C816B-6264-4CFF-B007-776089C8006A}" type="datetimeFigureOut">
               <a:rPr lang="en-US" smtClean="0"/>
-              <a:t>10/1/2017</a:t>
+              <a:t>10/2/2017</a:t>
             </a:fld>
             <a:endParaRPr lang="en-US"/>
           </a:p>
@@ -665,7 +665,7 @@
           <a:p>
             <a:fld id="{8262F83D-21AC-4462-A57F-A062BBC2BA25}" type="datetimeFigureOut">
               <a:rPr lang="en-US" smtClean="0"/>
-              <a:t>10/1/2017</a:t>
+              <a:t>10/2/2017</a:t>
             </a:fld>
             <a:endParaRPr lang="en-US"/>
           </a:p>
@@ -842,7 +842,7 @@
           <a:p>
             <a:fld id="{8262F83D-21AC-4462-A57F-A062BBC2BA25}" type="datetimeFigureOut">
               <a:rPr lang="en-US" smtClean="0"/>
-              <a:t>10/1/2017</a:t>
+              <a:t>10/2/2017</a:t>
             </a:fld>
             <a:endParaRPr lang="en-US"/>
           </a:p>
@@ -1029,7 +1029,7 @@
           <a:p>
             <a:fld id="{8262F83D-21AC-4462-A57F-A062BBC2BA25}" type="datetimeFigureOut">
               <a:rPr lang="en-US" smtClean="0"/>
-              <a:t>10/1/2017</a:t>
+              <a:t>10/2/2017</a:t>
             </a:fld>
             <a:endParaRPr lang="en-US"/>
           </a:p>
@@ -1206,7 +1206,7 @@
           <a:p>
             <a:fld id="{8262F83D-21AC-4462-A57F-A062BBC2BA25}" type="datetimeFigureOut">
               <a:rPr lang="en-US" smtClean="0"/>
-              <a:t>10/1/2017</a:t>
+              <a:t>10/2/2017</a:t>
             </a:fld>
             <a:endParaRPr lang="en-US"/>
           </a:p>
@@ -1459,7 +1459,7 @@
           <a:p>
             <a:fld id="{8262F83D-21AC-4462-A57F-A062BBC2BA25}" type="datetimeFigureOut">
               <a:rPr lang="en-US" smtClean="0"/>
-              <a:t>10/1/2017</a:t>
+              <a:t>10/2/2017</a:t>
             </a:fld>
             <a:endParaRPr lang="en-US"/>
           </a:p>
@@ -1754,7 +1754,7 @@
           <a:p>
             <a:fld id="{8262F83D-21AC-4462-A57F-A062BBC2BA25}" type="datetimeFigureOut">
               <a:rPr lang="en-US" smtClean="0"/>
-              <a:t>10/1/2017</a:t>
+              <a:t>10/2/2017</a:t>
             </a:fld>
             <a:endParaRPr lang="en-US"/>
           </a:p>
@@ -2183,7 +2183,7 @@
           <a:p>
             <a:fld id="{8262F83D-21AC-4462-A57F-A062BBC2BA25}" type="datetimeFigureOut">
               <a:rPr lang="en-US" smtClean="0"/>
-              <a:t>10/1/2017</a:t>
+              <a:t>10/2/2017</a:t>
             </a:fld>
             <a:endParaRPr lang="en-US"/>
           </a:p>
@@ -2325,7 +2325,7 @@
           <a:p>
             <a:fld id="{8262F83D-21AC-4462-A57F-A062BBC2BA25}" type="datetimeFigureOut">
               <a:rPr lang="en-US" smtClean="0"/>
-              <a:t>10/1/2017</a:t>
+              <a:t>10/2/2017</a:t>
             </a:fld>
             <a:endParaRPr lang="en-US"/>
           </a:p>
@@ -2427,7 +2427,7 @@
           <a:p>
             <a:fld id="{8262F83D-21AC-4462-A57F-A062BBC2BA25}" type="datetimeFigureOut">
               <a:rPr lang="en-US" smtClean="0"/>
-              <a:t>10/1/2017</a:t>
+              <a:t>10/2/2017</a:t>
             </a:fld>
             <a:endParaRPr lang="en-US"/>
           </a:p>
@@ -2711,7 +2711,7 @@
           <a:p>
             <a:fld id="{8262F83D-21AC-4462-A57F-A062BBC2BA25}" type="datetimeFigureOut">
               <a:rPr lang="en-US" smtClean="0"/>
-              <a:t>10/1/2017</a:t>
+              <a:t>10/2/2017</a:t>
             </a:fld>
             <a:endParaRPr lang="en-US"/>
           </a:p>
@@ -2971,7 +2971,7 @@
           <a:p>
             <a:fld id="{8262F83D-21AC-4462-A57F-A062BBC2BA25}" type="datetimeFigureOut">
               <a:rPr lang="en-US" smtClean="0"/>
-              <a:t>10/1/2017</a:t>
+              <a:t>10/2/2017</a:t>
             </a:fld>
             <a:endParaRPr lang="en-US"/>
           </a:p>
@@ -3191,7 +3191,7 @@
           <a:p>
             <a:fld id="{8262F83D-21AC-4462-A57F-A062BBC2BA25}" type="datetimeFigureOut">
               <a:rPr lang="en-US" smtClean="0"/>
-              <a:t>10/1/2017</a:t>
+              <a:t>10/2/2017</a:t>
             </a:fld>
             <a:endParaRPr lang="en-US"/>
           </a:p>
@@ -7207,6 +7207,110 @@
                 <a:latin typeface="Segoe UI Light" pitchFamily="34" charset="0"/>
                 <a:cs typeface="Segoe UI Light" pitchFamily="34" charset="0"/>
               </a:rPr>
+              <a:t>Thung</a:t>
+            </a:r>
+            <a:r>
+              <a:rPr lang="en-US" sz="2000" dirty="0" smtClean="0">
+                <a:solidFill>
+                  <a:schemeClr val="tx1">
+                    <a:lumMod val="75000"/>
+                    <a:lumOff val="25000"/>
+                  </a:schemeClr>
+                </a:solidFill>
+                <a:latin typeface="Segoe UI Light" pitchFamily="34" charset="0"/>
+                <a:cs typeface="Segoe UI Light" pitchFamily="34" charset="0"/>
+              </a:rPr>
+              <a:t> </a:t>
+            </a:r>
+            <a:r>
+              <a:rPr lang="en-US" sz="2000" dirty="0" err="1" smtClean="0">
+                <a:solidFill>
+                  <a:schemeClr val="tx1">
+                    <a:lumMod val="75000"/>
+                    <a:lumOff val="25000"/>
+                  </a:schemeClr>
+                </a:solidFill>
+                <a:latin typeface="Segoe UI Light" pitchFamily="34" charset="0"/>
+                <a:cs typeface="Segoe UI Light" pitchFamily="34" charset="0"/>
+              </a:rPr>
+              <a:t>lũng</a:t>
+            </a:r>
+            <a:r>
+              <a:rPr lang="en-US" sz="2000" dirty="0" smtClean="0">
+                <a:solidFill>
+                  <a:schemeClr val="tx1">
+                    <a:lumMod val="75000"/>
+                    <a:lumOff val="25000"/>
+                  </a:schemeClr>
+                </a:solidFill>
+                <a:latin typeface="Segoe UI Light" pitchFamily="34" charset="0"/>
+                <a:cs typeface="Segoe UI Light" pitchFamily="34" charset="0"/>
+              </a:rPr>
+              <a:t> </a:t>
+            </a:r>
+            <a:r>
+              <a:rPr lang="en-US" sz="2000" dirty="0" err="1" smtClean="0">
+                <a:solidFill>
+                  <a:schemeClr val="tx1">
+                    <a:lumMod val="75000"/>
+                    <a:lumOff val="25000"/>
+                  </a:schemeClr>
+                </a:solidFill>
+                <a:latin typeface="Segoe UI Light" pitchFamily="34" charset="0"/>
+                <a:cs typeface="Segoe UI Light" pitchFamily="34" charset="0"/>
+              </a:rPr>
+              <a:t>tình</a:t>
+            </a:r>
+            <a:r>
+              <a:rPr lang="en-US" sz="2000" dirty="0" smtClean="0">
+                <a:solidFill>
+                  <a:schemeClr val="tx1">
+                    <a:lumMod val="75000"/>
+                    <a:lumOff val="25000"/>
+                  </a:schemeClr>
+                </a:solidFill>
+                <a:latin typeface="Segoe UI Light" pitchFamily="34" charset="0"/>
+                <a:cs typeface="Segoe UI Light" pitchFamily="34" charset="0"/>
+              </a:rPr>
+              <a:t> </a:t>
+            </a:r>
+            <a:r>
+              <a:rPr lang="en-US" sz="2000" dirty="0" err="1" smtClean="0">
+                <a:solidFill>
+                  <a:schemeClr val="tx1">
+                    <a:lumMod val="75000"/>
+                    <a:lumOff val="25000"/>
+                  </a:schemeClr>
+                </a:solidFill>
+                <a:latin typeface="Segoe UI Light" pitchFamily="34" charset="0"/>
+                <a:cs typeface="Segoe UI Light" pitchFamily="34" charset="0"/>
+              </a:rPr>
+              <a:t>yêu</a:t>
+            </a:r>
+            <a:r>
+              <a:rPr lang="en-US" sz="2000" dirty="0" smtClean="0">
+                <a:solidFill>
+                  <a:schemeClr val="tx1">
+                    <a:lumMod val="75000"/>
+                    <a:lumOff val="25000"/>
+                  </a:schemeClr>
+                </a:solidFill>
+                <a:latin typeface="Segoe UI Light" pitchFamily="34" charset="0"/>
+                <a:cs typeface="Segoe UI Light" pitchFamily="34" charset="0"/>
+              </a:rPr>
+              <a:t> </a:t>
+            </a:r>
+            <a:r>
+              <a:rPr lang="en-US" sz="2000" dirty="0" err="1" smtClean="0">
+                <a:solidFill>
+                  <a:schemeClr val="tx1">
+                    <a:lumMod val="75000"/>
+                    <a:lumOff val="25000"/>
+                  </a:schemeClr>
+                </a:solidFill>
+                <a:latin typeface="Segoe UI Light" pitchFamily="34" charset="0"/>
+                <a:cs typeface="Segoe UI Light" pitchFamily="34" charset="0"/>
+              </a:rPr>
               <a:t>có</a:t>
             </a:r>
             <a:r>
@@ -7793,6 +7897,232 @@
               <a:t>Lời cảm ơn</a:t>
             </a:r>
             <a:endParaRPr lang="en-US" sz="2400" dirty="0">
+              <a:solidFill>
+                <a:schemeClr val="tx1">
+                  <a:lumMod val="75000"/>
+                  <a:lumOff val="25000"/>
+                </a:schemeClr>
+              </a:solidFill>
+              <a:latin typeface="Segoe UI Light" pitchFamily="34" charset="0"/>
+              <a:cs typeface="Segoe UI Light" pitchFamily="34" charset="0"/>
+            </a:endParaRPr>
+          </a:p>
+        </p:txBody>
+      </p:sp>
+      <p:sp>
+        <p:nvSpPr>
+          <p:cNvPr id="21" name="TextBox 20"/>
+          <p:cNvSpPr txBox="1"/>
+          <p:nvPr/>
+        </p:nvSpPr>
+        <p:spPr>
+          <a:xfrm>
+            <a:off x="3048000" y="3276600"/>
+            <a:ext cx="5562600" cy="861774"/>
+          </a:xfrm>
+          <a:prstGeom prst="rect">
+            <a:avLst/>
+          </a:prstGeom>
+          <a:noFill/>
+        </p:spPr>
+        <p:txBody>
+          <a:bodyPr wrap="square" rtlCol="0">
+            <a:spAutoFit/>
+          </a:bodyPr>
+          <a:lstStyle/>
+          <a:p>
+            <a:r>
+              <a:rPr lang="en-US" sz="2000" dirty="0" smtClean="0">
+                <a:solidFill>
+                  <a:schemeClr val="tx1">
+                    <a:lumMod val="75000"/>
+                    <a:lumOff val="25000"/>
+                  </a:schemeClr>
+                </a:solidFill>
+                <a:latin typeface="Segoe UI Light" pitchFamily="34" charset="0"/>
+                <a:cs typeface="Segoe UI Light" pitchFamily="34" charset="0"/>
+              </a:rPr>
+              <a:t>Hiện </a:t>
+            </a:r>
+            <a:r>
+              <a:rPr lang="en-US" sz="2000" dirty="0" err="1" smtClean="0">
+                <a:solidFill>
+                  <a:schemeClr val="tx1">
+                    <a:lumMod val="75000"/>
+                    <a:lumOff val="25000"/>
+                  </a:schemeClr>
+                </a:solidFill>
+                <a:latin typeface="Segoe UI Light" pitchFamily="34" charset="0"/>
+                <a:cs typeface="Segoe UI Light" pitchFamily="34" charset="0"/>
+              </a:rPr>
+              <a:t>trạng</a:t>
+            </a:r>
+            <a:r>
+              <a:rPr lang="en-US" sz="2000" dirty="0" smtClean="0">
+                <a:solidFill>
+                  <a:schemeClr val="tx1">
+                    <a:lumMod val="75000"/>
+                    <a:lumOff val="25000"/>
+                  </a:schemeClr>
+                </a:solidFill>
+                <a:latin typeface="Segoe UI Light" pitchFamily="34" charset="0"/>
+                <a:cs typeface="Segoe UI Light" pitchFamily="34" charset="0"/>
+              </a:rPr>
+              <a:t>:</a:t>
+            </a:r>
+            <a:endParaRPr lang="en-US" sz="2000" dirty="0" smtClean="0">
+              <a:solidFill>
+                <a:schemeClr val="tx1">
+                  <a:lumMod val="75000"/>
+                  <a:lumOff val="25000"/>
+                </a:schemeClr>
+              </a:solidFill>
+              <a:latin typeface="Segoe UI Light" pitchFamily="34" charset="0"/>
+              <a:cs typeface="Segoe UI Light" pitchFamily="34" charset="0"/>
+            </a:endParaRPr>
+          </a:p>
+          <a:p>
+            <a:pPr marL="625475" indent="-396875">
+              <a:spcBef>
+                <a:spcPts val="1200"/>
+              </a:spcBef>
+              <a:buClr>
+                <a:srgbClr val="00B404"/>
+              </a:buClr>
+              <a:buFont typeface="Segoe UI Light" pitchFamily="34" charset="0"/>
+              <a:buChar char="■"/>
+            </a:pPr>
+            <a:r>
+              <a:rPr lang="en-US" sz="2000" dirty="0" smtClean="0">
+                <a:solidFill>
+                  <a:schemeClr val="tx1">
+                    <a:lumMod val="75000"/>
+                    <a:lumOff val="25000"/>
+                  </a:schemeClr>
+                </a:solidFill>
+                <a:latin typeface="Segoe UI Light" pitchFamily="34" charset="0"/>
+                <a:cs typeface="Segoe UI Light" pitchFamily="34" charset="0"/>
+              </a:rPr>
+              <a:t>Có </a:t>
+            </a:r>
+            <a:r>
+              <a:rPr lang="en-US" sz="2000" dirty="0" err="1" smtClean="0">
+                <a:solidFill>
+                  <a:schemeClr val="tx1">
+                    <a:lumMod val="75000"/>
+                    <a:lumOff val="25000"/>
+                  </a:schemeClr>
+                </a:solidFill>
+                <a:latin typeface="Segoe UI Light" pitchFamily="34" charset="0"/>
+                <a:cs typeface="Segoe UI Light" pitchFamily="34" charset="0"/>
+              </a:rPr>
+              <a:t>trang</a:t>
+            </a:r>
+            <a:r>
+              <a:rPr lang="en-US" sz="2000" dirty="0" smtClean="0">
+                <a:solidFill>
+                  <a:schemeClr val="tx1">
+                    <a:lumMod val="75000"/>
+                    <a:lumOff val="25000"/>
+                  </a:schemeClr>
+                </a:solidFill>
+                <a:latin typeface="Segoe UI Light" pitchFamily="34" charset="0"/>
+                <a:cs typeface="Segoe UI Light" pitchFamily="34" charset="0"/>
+              </a:rPr>
+              <a:t> web </a:t>
+            </a:r>
+            <a:r>
+              <a:rPr lang="en-US" sz="2000" dirty="0" err="1" smtClean="0">
+                <a:solidFill>
+                  <a:schemeClr val="tx1">
+                    <a:lumMod val="75000"/>
+                    <a:lumOff val="25000"/>
+                  </a:schemeClr>
+                </a:solidFill>
+                <a:latin typeface="Segoe UI Light" pitchFamily="34" charset="0"/>
+                <a:cs typeface="Segoe UI Light" pitchFamily="34" charset="0"/>
+              </a:rPr>
+              <a:t>mã</a:t>
+            </a:r>
+            <a:r>
+              <a:rPr lang="en-US" sz="2000" dirty="0" smtClean="0">
+                <a:solidFill>
+                  <a:schemeClr val="tx1">
+                    <a:lumMod val="75000"/>
+                    <a:lumOff val="25000"/>
+                  </a:schemeClr>
+                </a:solidFill>
+                <a:latin typeface="Segoe UI Light" pitchFamily="34" charset="0"/>
+                <a:cs typeface="Segoe UI Light" pitchFamily="34" charset="0"/>
+              </a:rPr>
+              <a:t> </a:t>
+            </a:r>
+            <a:r>
+              <a:rPr lang="en-US" sz="2000" dirty="0" err="1" smtClean="0">
+                <a:solidFill>
+                  <a:schemeClr val="tx1">
+                    <a:lumMod val="75000"/>
+                    <a:lumOff val="25000"/>
+                  </a:schemeClr>
+                </a:solidFill>
+                <a:latin typeface="Segoe UI Light" pitchFamily="34" charset="0"/>
+                <a:cs typeface="Segoe UI Light" pitchFamily="34" charset="0"/>
+              </a:rPr>
+              <a:t>nguồn</a:t>
+            </a:r>
+            <a:r>
+              <a:rPr lang="en-US" sz="2000" dirty="0" smtClean="0">
+                <a:solidFill>
+                  <a:schemeClr val="tx1">
+                    <a:lumMod val="75000"/>
+                    <a:lumOff val="25000"/>
+                  </a:schemeClr>
+                </a:solidFill>
+                <a:latin typeface="Segoe UI Light" pitchFamily="34" charset="0"/>
+                <a:cs typeface="Segoe UI Light" pitchFamily="34" charset="0"/>
+              </a:rPr>
+              <a:t> </a:t>
+            </a:r>
+            <a:r>
+              <a:rPr lang="en-US" sz="2000" dirty="0" err="1" smtClean="0">
+                <a:solidFill>
+                  <a:schemeClr val="tx1">
+                    <a:lumMod val="75000"/>
+                    <a:lumOff val="25000"/>
+                  </a:schemeClr>
+                </a:solidFill>
+                <a:latin typeface="Segoe UI Light" pitchFamily="34" charset="0"/>
+                <a:cs typeface="Segoe UI Light" pitchFamily="34" charset="0"/>
+              </a:rPr>
+              <a:t>mở</a:t>
+            </a:r>
+            <a:r>
+              <a:rPr lang="en-US" sz="2000" dirty="0" smtClean="0">
+                <a:solidFill>
+                  <a:schemeClr val="tx1">
+                    <a:lumMod val="75000"/>
+                    <a:lumOff val="25000"/>
+                  </a:schemeClr>
+                </a:solidFill>
+                <a:latin typeface="Segoe UI Light" pitchFamily="34" charset="0"/>
+                <a:cs typeface="Segoe UI Light" pitchFamily="34" charset="0"/>
+              </a:rPr>
+              <a:t> </a:t>
+            </a:r>
+            <a:r>
+              <a:rPr lang="en-US" sz="2000" dirty="0" err="1" smtClean="0">
+                <a:solidFill>
+                  <a:schemeClr val="tx1">
+                    <a:lumMod val="75000"/>
+                    <a:lumOff val="25000"/>
+                  </a:schemeClr>
+                </a:solidFill>
+                <a:latin typeface="Segoe UI Light" pitchFamily="34" charset="0"/>
+                <a:cs typeface="Segoe UI Light" pitchFamily="34" charset="0"/>
+              </a:rPr>
+              <a:t>Wordpress</a:t>
+            </a:r>
+            <a:endParaRPr lang="en-US" sz="2000" dirty="0" smtClean="0">
               <a:solidFill>
                 <a:schemeClr val="tx1">
                   <a:lumMod val="75000"/>
@@ -7922,6 +8252,87 @@
                                   </p:childTnLst>
                                 </p:cTn>
                               </p:par>
+                              <p:par>
+                                <p:cTn id="10" presetID="42" presetClass="entr" presetSubtype="0" fill="hold" grpId="0" nodeType="withEffect">
+                                  <p:stCondLst>
+                                    <p:cond delay="0"/>
+                                  </p:stCondLst>
+                                  <p:childTnLst>
+                                    <p:set>
+                                      <p:cBhvr>
+                                        <p:cTn id="11" dur="1" fill="hold">
+                                          <p:stCondLst>
+                                            <p:cond delay="0"/>
+                                          </p:stCondLst>
+                                        </p:cTn>
+                                        <p:tgtEl>
+                                          <p:spTgt spid="21"/>
+                                        </p:tgtEl>
+                                        <p:attrNameLst>
+                                          <p:attrName>style.visibility</p:attrName>
+                                        </p:attrNameLst>
+                                      </p:cBhvr>
+                                      <p:to>
+                                        <p:strVal val="visible"/>
+                                      </p:to>
+                                    </p:set>
+                                    <p:animEffect transition="in" filter="fade">
+                                      <p:cBhvr>
+                                        <p:cTn id="12" dur="1000"/>
+                                        <p:tgtEl>
+                                          <p:spTgt spid="21"/>
+                                        </p:tgtEl>
+                                      </p:cBhvr>
+                                    </p:animEffect>
+                                    <p:anim calcmode="lin" valueType="num">
+                                      <p:cBhvr>
+                                        <p:cTn id="13" dur="1000" fill="hold"/>
+                                        <p:tgtEl>
+                                          <p:spTgt spid="21"/>
+                                        </p:tgtEl>
+                                        <p:attrNameLst>
+                                          <p:attrName>ppt_x</p:attrName>
+                                        </p:attrNameLst>
+                                      </p:cBhvr>
+                                      <p:tavLst>
+                                        <p:tav tm="0">
+                                          <p:val>
+                                            <p:strVal val="#ppt_x"/>
+                                          </p:val>
+                                        </p:tav>
+                                        <p:tav tm="100000">
+                                          <p:val>
+                                            <p:strVal val="#ppt_x"/>
+                                          </p:val>
+                                        </p:tav>
+                                      </p:tavLst>
+                                    </p:anim>
+                                    <p:anim calcmode="lin" valueType="num">
+                                      <p:cBhvr>
+                                        <p:cTn id="14" dur="1000" fill="hold"/>
+                                        <p:tgtEl>
+                                          <p:spTgt spid="21"/>
+                                        </p:tgtEl>
+                                        <p:attrNameLst>
+                                          <p:attrName>ppt_y</p:attrName>
+                                        </p:attrNameLst>
+                                      </p:cBhvr>
+                                      <p:tavLst>
+                                        <p:tav tm="0">
+                                          <p:val>
+                                            <p:strVal val="#ppt_y+.1"/>
+                                          </p:val>
+                                        </p:tav>
+                                        <p:tav tm="100000">
+                                          <p:val>
+                                            <p:strVal val="#ppt_y"/>
+                                          </p:val>
+                                        </p:tav>
+                                      </p:tavLst>
+                                    </p:anim>
+                                  </p:childTnLst>
+                                </p:cTn>
+                              </p:par>
                             </p:childTnLst>
                           </p:cTn>
                         </p:par>
@@ -7951,6 +8362,7 @@
     </p:tnLst>
     <p:bldLst>
       <p:bldP spid="18" grpId="0"/>
+      <p:bldP spid="21" grpId="0"/>
     </p:bldLst>
   </p:timing>
 </p:sld>
@@ -8478,8 +8890,17 @@
                 <a:latin typeface="Segoe UI Light" pitchFamily="34" charset="0"/>
                 <a:cs typeface="Segoe UI Light" pitchFamily="34" charset="0"/>
               </a:rPr>
-              <a:t>Ngôn ngữ: ASP.NET </a:t>
-            </a:r>
+              <a:t>Ngôn ngữ: ASP.NET MVC, HTML5, CSS3, AJAX, JS …</a:t>
+            </a:r>
+          </a:p>
+          <a:p>
+            <a:pPr marL="625475" indent="-396875">
+              <a:buClr>
+                <a:srgbClr val="00B404"/>
+              </a:buClr>
+              <a:buFont typeface="Segoe UI Light" pitchFamily="34" charset="0"/>
+              <a:buChar char="■"/>
+            </a:pPr>
             <a:r>
               <a:rPr lang="en-US" sz="2000" dirty="0" smtClean="0">
                 <a:solidFill>
@@ -8491,7 +8912,120 @@
                 <a:latin typeface="Segoe UI Light" pitchFamily="34" charset="0"/>
                 <a:cs typeface="Segoe UI Light" pitchFamily="34" charset="0"/>
               </a:rPr>
-              <a:t>MVC, HTML5, CSS3, AJAX, JS …</a:t>
+              <a:t>Công nghệ: Entity Framework</a:t>
+            </a:r>
+          </a:p>
+          <a:p>
+            <a:pPr marL="625475" indent="-396875">
+              <a:buClr>
+                <a:srgbClr val="00B404"/>
+              </a:buClr>
+              <a:buFont typeface="Segoe UI Light" pitchFamily="34" charset="0"/>
+              <a:buChar char="■"/>
+            </a:pPr>
+            <a:r>
+              <a:rPr lang="en-US" sz="2000" dirty="0" smtClean="0">
+                <a:solidFill>
+                  <a:schemeClr val="tx1">
+                    <a:lumMod val="75000"/>
+                    <a:lumOff val="25000"/>
+                  </a:schemeClr>
+                </a:solidFill>
+                <a:latin typeface="Segoe UI Light" pitchFamily="34" charset="0"/>
+                <a:cs typeface="Segoe UI Light" pitchFamily="34" charset="0"/>
+              </a:rPr>
+              <a:t>Công </a:t>
+            </a:r>
+            <a:r>
+              <a:rPr lang="en-US" sz="2000" dirty="0" err="1" smtClean="0">
+                <a:solidFill>
+                  <a:schemeClr val="tx1">
+                    <a:lumMod val="75000"/>
+                    <a:lumOff val="25000"/>
+                  </a:schemeClr>
+                </a:solidFill>
+                <a:latin typeface="Segoe UI Light" pitchFamily="34" charset="0"/>
+                <a:cs typeface="Segoe UI Light" pitchFamily="34" charset="0"/>
+              </a:rPr>
+              <a:t>cụ</a:t>
+            </a:r>
+            <a:r>
+              <a:rPr lang="en-US" sz="2000" dirty="0" smtClean="0">
+                <a:solidFill>
+                  <a:schemeClr val="tx1">
+                    <a:lumMod val="75000"/>
+                    <a:lumOff val="25000"/>
+                  </a:schemeClr>
+                </a:solidFill>
+                <a:latin typeface="Segoe UI Light" pitchFamily="34" charset="0"/>
+                <a:cs typeface="Segoe UI Light" pitchFamily="34" charset="0"/>
+              </a:rPr>
+              <a:t> </a:t>
+            </a:r>
+            <a:r>
+              <a:rPr lang="en-US" sz="2000" dirty="0" err="1" smtClean="0">
+                <a:solidFill>
+                  <a:schemeClr val="tx1">
+                    <a:lumMod val="75000"/>
+                    <a:lumOff val="25000"/>
+                  </a:schemeClr>
+                </a:solidFill>
+                <a:latin typeface="Segoe UI Light" pitchFamily="34" charset="0"/>
+                <a:cs typeface="Segoe UI Light" pitchFamily="34" charset="0"/>
+              </a:rPr>
+              <a:t>hỗ</a:t>
+            </a:r>
+            <a:r>
+              <a:rPr lang="en-US" sz="2000" dirty="0" smtClean="0">
+                <a:solidFill>
+                  <a:schemeClr val="tx1">
+                    <a:lumMod val="75000"/>
+                    <a:lumOff val="25000"/>
+                  </a:schemeClr>
+                </a:solidFill>
+                <a:latin typeface="Segoe UI Light" pitchFamily="34" charset="0"/>
+                <a:cs typeface="Segoe UI Light" pitchFamily="34" charset="0"/>
+              </a:rPr>
+              <a:t> </a:t>
+            </a:r>
+            <a:r>
+              <a:rPr lang="en-US" sz="2000" dirty="0" err="1" smtClean="0">
+                <a:solidFill>
+                  <a:schemeClr val="tx1">
+                    <a:lumMod val="75000"/>
+                    <a:lumOff val="25000"/>
+                  </a:schemeClr>
+                </a:solidFill>
+                <a:latin typeface="Segoe UI Light" pitchFamily="34" charset="0"/>
+                <a:cs typeface="Segoe UI Light" pitchFamily="34" charset="0"/>
+              </a:rPr>
+              <a:t>trợ</a:t>
+            </a:r>
+            <a:r>
+              <a:rPr lang="en-US" sz="2000" dirty="0" smtClean="0">
+                <a:solidFill>
+                  <a:schemeClr val="tx1">
+                    <a:lumMod val="75000"/>
+                    <a:lumOff val="25000"/>
+                  </a:schemeClr>
+                </a:solidFill>
+                <a:latin typeface="Segoe UI Light" pitchFamily="34" charset="0"/>
+                <a:cs typeface="Segoe UI Light" pitchFamily="34" charset="0"/>
+              </a:rPr>
+              <a:t>: </a:t>
+            </a:r>
+            <a:r>
+              <a:rPr lang="en-US" sz="2000" smtClean="0">
+                <a:solidFill>
+                  <a:schemeClr val="tx1">
+                    <a:lumMod val="75000"/>
+                    <a:lumOff val="25000"/>
+                  </a:schemeClr>
+                </a:solidFill>
+                <a:latin typeface="Segoe UI Light" pitchFamily="34" charset="0"/>
+                <a:cs typeface="Segoe UI Light" pitchFamily="34" charset="0"/>
+              </a:rPr>
+              <a:t>Bootstrap 3</a:t>
             </a:r>
             <a:endParaRPr lang="en-US" sz="2000" dirty="0" smtClean="0">
               <a:solidFill>
@@ -8523,7 +9057,20 @@
                 <a:latin typeface="Segoe UI Light" pitchFamily="34" charset="0"/>
                 <a:cs typeface="Segoe UI Light" pitchFamily="34" charset="0"/>
               </a:rPr>
-              <a:t>Công nghệ: Entity </a:t>
+              <a:t>Template </a:t>
+            </a:r>
+            <a:r>
+              <a:rPr lang="en-US" sz="2000" dirty="0" err="1" smtClean="0">
+                <a:solidFill>
+                  <a:schemeClr val="tx1">
+                    <a:lumMod val="75000"/>
+                    <a:lumOff val="25000"/>
+                  </a:schemeClr>
+                </a:solidFill>
+                <a:latin typeface="Segoe UI Light" pitchFamily="34" charset="0"/>
+                <a:cs typeface="Segoe UI Light" pitchFamily="34" charset="0"/>
+              </a:rPr>
+              <a:t>quản</a:t>
             </a:r>
             <a:r>
               <a:rPr lang="en-US" sz="2000" dirty="0" smtClean="0">
@@ -8536,17 +9083,21 @@
                 <a:latin typeface="Segoe UI Light" pitchFamily="34" charset="0"/>
                 <a:cs typeface="Segoe UI Light" pitchFamily="34" charset="0"/>
               </a:rPr>
-              <a:t>Framework</a:t>
-            </a:r>
-          </a:p>
-          <a:p>
-            <a:pPr marL="625475" indent="-396875">
-              <a:buClr>
-                <a:srgbClr val="00B404"/>
-              </a:buClr>
-              <a:buFont typeface="Segoe UI Light" pitchFamily="34" charset="0"/>
-              <a:buChar char="■"/>
-            </a:pPr>
+              <a:t> </a:t>
+            </a:r>
+            <a:r>
+              <a:rPr lang="en-US" sz="2000" dirty="0" err="1" smtClean="0">
+                <a:solidFill>
+                  <a:schemeClr val="tx1">
+                    <a:lumMod val="75000"/>
+                    <a:lumOff val="25000"/>
+                  </a:schemeClr>
+                </a:solidFill>
+                <a:latin typeface="Segoe UI Light" pitchFamily="34" charset="0"/>
+                <a:cs typeface="Segoe UI Light" pitchFamily="34" charset="0"/>
+              </a:rPr>
+              <a:t>trị</a:t>
+            </a:r>
             <a:r>
               <a:rPr lang="en-US" sz="2000" dirty="0" smtClean="0">
                 <a:solidFill>
@@ -8558,7 +9109,7 @@
                 <a:latin typeface="Segoe UI Light" pitchFamily="34" charset="0"/>
                 <a:cs typeface="Segoe UI Light" pitchFamily="34" charset="0"/>
               </a:rPr>
-              <a:t>Công </a:t>
+              <a:t> </a:t>
             </a:r>
             <a:r>
               <a:rPr lang="en-US" sz="2000" dirty="0" err="1" smtClean="0">
@@ -8571,7 +9122,7 @@
                 <a:latin typeface="Segoe UI Light" pitchFamily="34" charset="0"/>
                 <a:cs typeface="Segoe UI Light" pitchFamily="34" charset="0"/>
               </a:rPr>
-              <a:t>cụ</a:t>
+              <a:t>sử</a:t>
             </a:r>
             <a:r>
               <a:rPr lang="en-US" sz="2000" dirty="0" smtClean="0">
@@ -8597,7 +9148,7 @@
                 <a:latin typeface="Segoe UI Light" pitchFamily="34" charset="0"/>
                 <a:cs typeface="Segoe UI Light" pitchFamily="34" charset="0"/>
               </a:rPr>
-              <a:t>hỗ</a:t>
+              <a:t>dụng</a:t>
             </a:r>
             <a:r>
               <a:rPr lang="en-US" sz="2000" dirty="0" smtClean="0">
@@ -8610,193 +9161,8 @@
                 <a:latin typeface="Segoe UI Light" pitchFamily="34" charset="0"/>
                 <a:cs typeface="Segoe UI Light" pitchFamily="34" charset="0"/>
               </a:rPr>
-              <a:t> </a:t>
-            </a:r>
-            <a:r>
-              <a:rPr lang="en-US" sz="2000" dirty="0" err="1" smtClean="0">
-                <a:solidFill>
-                  <a:schemeClr val="tx1">
-                    <a:lumMod val="75000"/>
-                    <a:lumOff val="25000"/>
-                  </a:schemeClr>
-                </a:solidFill>
-                <a:latin typeface="Segoe UI Light" pitchFamily="34" charset="0"/>
-                <a:cs typeface="Segoe UI Light" pitchFamily="34" charset="0"/>
-              </a:rPr>
-              <a:t>trợ</a:t>
-            </a:r>
-            <a:r>
-              <a:rPr lang="en-US" sz="2000" dirty="0" smtClean="0">
-                <a:solidFill>
-                  <a:schemeClr val="tx1">
-                    <a:lumMod val="75000"/>
-                    <a:lumOff val="25000"/>
-                  </a:schemeClr>
-                </a:solidFill>
-                <a:latin typeface="Segoe UI Light" pitchFamily="34" charset="0"/>
-                <a:cs typeface="Segoe UI Light" pitchFamily="34" charset="0"/>
-              </a:rPr>
-              <a:t>: </a:t>
-            </a:r>
-            <a:r>
-              <a:rPr lang="en-US" sz="2000" smtClean="0">
-                <a:solidFill>
-                  <a:schemeClr val="tx1">
-                    <a:lumMod val="75000"/>
-                    <a:lumOff val="25000"/>
-                  </a:schemeClr>
-                </a:solidFill>
-                <a:latin typeface="Segoe UI Light" pitchFamily="34" charset="0"/>
-                <a:cs typeface="Segoe UI Light" pitchFamily="34" charset="0"/>
-              </a:rPr>
-              <a:t>Bootstrap 3</a:t>
-            </a:r>
-            <a:endParaRPr lang="en-US" sz="2000" dirty="0" smtClean="0">
-              <a:solidFill>
-                <a:schemeClr val="tx1">
-                  <a:lumMod val="75000"/>
-                  <a:lumOff val="25000"/>
-                </a:schemeClr>
-              </a:solidFill>
-              <a:latin typeface="Segoe UI Light" pitchFamily="34" charset="0"/>
-              <a:cs typeface="Segoe UI Light" pitchFamily="34" charset="0"/>
-            </a:endParaRPr>
-          </a:p>
-          <a:p>
-            <a:pPr marL="625475" indent="-396875">
-              <a:buClr>
-                <a:srgbClr val="00B404"/>
-              </a:buClr>
-              <a:buFont typeface="Segoe UI Light" pitchFamily="34" charset="0"/>
-              <a:buChar char="■"/>
-            </a:pPr>
-            <a:r>
-              <a:rPr lang="en-US" sz="2000" dirty="0" smtClean="0">
-                <a:solidFill>
-                  <a:schemeClr val="tx1">
-                    <a:lumMod val="75000"/>
-                    <a:lumOff val="25000"/>
-                  </a:schemeClr>
-                </a:solidFill>
-                <a:latin typeface="Segoe UI Light" pitchFamily="34" charset="0"/>
-                <a:cs typeface="Segoe UI Light" pitchFamily="34" charset="0"/>
-              </a:rPr>
-              <a:t>Template </a:t>
-            </a:r>
-            <a:r>
-              <a:rPr lang="en-US" sz="2000" dirty="0" err="1" smtClean="0">
-                <a:solidFill>
-                  <a:schemeClr val="tx1">
-                    <a:lumMod val="75000"/>
-                    <a:lumOff val="25000"/>
-                  </a:schemeClr>
-                </a:solidFill>
-                <a:latin typeface="Segoe UI Light" pitchFamily="34" charset="0"/>
-                <a:cs typeface="Segoe UI Light" pitchFamily="34" charset="0"/>
-              </a:rPr>
-              <a:t>quản</a:t>
-            </a:r>
-            <a:r>
-              <a:rPr lang="en-US" sz="2000" dirty="0" smtClean="0">
-                <a:solidFill>
-                  <a:schemeClr val="tx1">
-                    <a:lumMod val="75000"/>
-                    <a:lumOff val="25000"/>
-                  </a:schemeClr>
-                </a:solidFill>
-                <a:latin typeface="Segoe UI Light" pitchFamily="34" charset="0"/>
-                <a:cs typeface="Segoe UI Light" pitchFamily="34" charset="0"/>
-              </a:rPr>
-              <a:t> </a:t>
-            </a:r>
-            <a:r>
-              <a:rPr lang="en-US" sz="2000" dirty="0" err="1" smtClean="0">
-                <a:solidFill>
-                  <a:schemeClr val="tx1">
-                    <a:lumMod val="75000"/>
-                    <a:lumOff val="25000"/>
-                  </a:schemeClr>
-                </a:solidFill>
-                <a:latin typeface="Segoe UI Light" pitchFamily="34" charset="0"/>
-                <a:cs typeface="Segoe UI Light" pitchFamily="34" charset="0"/>
-              </a:rPr>
-              <a:t>trị</a:t>
-            </a:r>
-            <a:r>
-              <a:rPr lang="en-US" sz="2000" dirty="0" smtClean="0">
-                <a:solidFill>
-                  <a:schemeClr val="tx1">
-                    <a:lumMod val="75000"/>
-                    <a:lumOff val="25000"/>
-                  </a:schemeClr>
-                </a:solidFill>
-                <a:latin typeface="Segoe UI Light" pitchFamily="34" charset="0"/>
-                <a:cs typeface="Segoe UI Light" pitchFamily="34" charset="0"/>
-              </a:rPr>
-              <a:t> </a:t>
-            </a:r>
-            <a:r>
-              <a:rPr lang="en-US" sz="2000" dirty="0" err="1" smtClean="0">
-                <a:solidFill>
-                  <a:schemeClr val="tx1">
-                    <a:lumMod val="75000"/>
-                    <a:lumOff val="25000"/>
-                  </a:schemeClr>
-                </a:solidFill>
-                <a:latin typeface="Segoe UI Light" pitchFamily="34" charset="0"/>
-                <a:cs typeface="Segoe UI Light" pitchFamily="34" charset="0"/>
-              </a:rPr>
-              <a:t>sử</a:t>
-            </a:r>
-            <a:r>
-              <a:rPr lang="en-US" sz="2000" dirty="0" smtClean="0">
-                <a:solidFill>
-                  <a:schemeClr val="tx1">
-                    <a:lumMod val="75000"/>
-                    <a:lumOff val="25000"/>
-                  </a:schemeClr>
-                </a:solidFill>
-                <a:latin typeface="Segoe UI Light" pitchFamily="34" charset="0"/>
-                <a:cs typeface="Segoe UI Light" pitchFamily="34" charset="0"/>
-              </a:rPr>
-              <a:t> </a:t>
-            </a:r>
-            <a:r>
-              <a:rPr lang="en-US" sz="2000" dirty="0" err="1" smtClean="0">
-                <a:solidFill>
-                  <a:schemeClr val="tx1">
-                    <a:lumMod val="75000"/>
-                    <a:lumOff val="25000"/>
-                  </a:schemeClr>
-                </a:solidFill>
-                <a:latin typeface="Segoe UI Light" pitchFamily="34" charset="0"/>
-                <a:cs typeface="Segoe UI Light" pitchFamily="34" charset="0"/>
-              </a:rPr>
-              <a:t>dụng</a:t>
-            </a:r>
-            <a:r>
-              <a:rPr lang="en-US" sz="2000" dirty="0" smtClean="0">
-                <a:solidFill>
-                  <a:schemeClr val="tx1">
-                    <a:lumMod val="75000"/>
-                    <a:lumOff val="25000"/>
-                  </a:schemeClr>
-                </a:solidFill>
-                <a:latin typeface="Segoe UI Light" pitchFamily="34" charset="0"/>
-                <a:cs typeface="Segoe UI Light" pitchFamily="34" charset="0"/>
-              </a:rPr>
               <a:t>: SB Admin 2 </a:t>
             </a:r>
-            <a:endParaRPr lang="en-US" sz="2000" dirty="0" smtClean="0">
-              <a:solidFill>
-                <a:schemeClr val="tx1">
-                  <a:lumMod val="75000"/>
-                  <a:lumOff val="25000"/>
-                </a:schemeClr>
-              </a:solidFill>
-              <a:latin typeface="Segoe UI Light" pitchFamily="34" charset="0"/>
-              <a:cs typeface="Segoe UI Light" pitchFamily="34" charset="0"/>
-            </a:endParaRPr>
           </a:p>
         </p:txBody>
       </p:sp>
@@ -13745,7 +14111,124 @@
                 <a:latin typeface="Segoe UI Light" panose="020B0502040204020203" pitchFamily="34" charset="0"/>
                 <a:cs typeface="Segoe UI Light" panose="020B0502040204020203" pitchFamily="34" charset="0"/>
               </a:rPr>
-              <a:t> du </a:t>
+              <a:t> </a:t>
+            </a:r>
+            <a:r>
+              <a:rPr lang="en-US" sz="2000" dirty="0" err="1" smtClean="0">
+                <a:solidFill>
+                  <a:schemeClr val="tx1">
+                    <a:lumMod val="75000"/>
+                    <a:lumOff val="25000"/>
+                  </a:schemeClr>
+                </a:solidFill>
+                <a:latin typeface="Segoe UI Light" panose="020B0502040204020203" pitchFamily="34" charset="0"/>
+                <a:cs typeface="Segoe UI Light" panose="020B0502040204020203" pitchFamily="34" charset="0"/>
+              </a:rPr>
+              <a:t>và</a:t>
+            </a:r>
+            <a:r>
+              <a:rPr lang="en-US" sz="2000" dirty="0" smtClean="0">
+                <a:solidFill>
+                  <a:schemeClr val="tx1">
+                    <a:lumMod val="75000"/>
+                    <a:lumOff val="25000"/>
+                  </a:schemeClr>
+                </a:solidFill>
+                <a:latin typeface="Segoe UI Light" panose="020B0502040204020203" pitchFamily="34" charset="0"/>
+                <a:cs typeface="Segoe UI Light" panose="020B0502040204020203" pitchFamily="34" charset="0"/>
+              </a:rPr>
+              <a:t> </a:t>
+            </a:r>
+            <a:r>
+              <a:rPr lang="en-US" sz="2000" dirty="0" err="1" smtClean="0">
+                <a:solidFill>
+                  <a:schemeClr val="tx1">
+                    <a:lumMod val="75000"/>
+                    <a:lumOff val="25000"/>
+                  </a:schemeClr>
+                </a:solidFill>
+                <a:latin typeface="Segoe UI Light" panose="020B0502040204020203" pitchFamily="34" charset="0"/>
+                <a:cs typeface="Segoe UI Light" panose="020B0502040204020203" pitchFamily="34" charset="0"/>
+              </a:rPr>
+              <a:t>thông</a:t>
+            </a:r>
+            <a:r>
+              <a:rPr lang="en-US" sz="2000" dirty="0" smtClean="0">
+                <a:solidFill>
+                  <a:schemeClr val="tx1">
+                    <a:lumMod val="75000"/>
+                    <a:lumOff val="25000"/>
+                  </a:schemeClr>
+                </a:solidFill>
+                <a:latin typeface="Segoe UI Light" panose="020B0502040204020203" pitchFamily="34" charset="0"/>
+                <a:cs typeface="Segoe UI Light" panose="020B0502040204020203" pitchFamily="34" charset="0"/>
+              </a:rPr>
+              <a:t> tin </a:t>
+            </a:r>
+            <a:r>
+              <a:rPr lang="en-US" sz="2000" dirty="0" err="1" smtClean="0">
+                <a:solidFill>
+                  <a:schemeClr val="tx1">
+                    <a:lumMod val="75000"/>
+                    <a:lumOff val="25000"/>
+                  </a:schemeClr>
+                </a:solidFill>
+                <a:latin typeface="Segoe UI Light" panose="020B0502040204020203" pitchFamily="34" charset="0"/>
+                <a:cs typeface="Segoe UI Light" panose="020B0502040204020203" pitchFamily="34" charset="0"/>
+              </a:rPr>
+              <a:t>của</a:t>
+            </a:r>
+            <a:r>
+              <a:rPr lang="en-US" sz="2000" dirty="0" smtClean="0">
+                <a:solidFill>
+                  <a:schemeClr val="tx1">
+                    <a:lumMod val="75000"/>
+                    <a:lumOff val="25000"/>
+                  </a:schemeClr>
+                </a:solidFill>
+                <a:latin typeface="Segoe UI Light" panose="020B0502040204020203" pitchFamily="34" charset="0"/>
+                <a:cs typeface="Segoe UI Light" panose="020B0502040204020203" pitchFamily="34" charset="0"/>
+              </a:rPr>
+              <a:t> </a:t>
+            </a:r>
+            <a:r>
+              <a:rPr lang="en-US" sz="2000" dirty="0" err="1" smtClean="0">
+                <a:solidFill>
+                  <a:schemeClr val="tx1">
+                    <a:lumMod val="75000"/>
+                    <a:lumOff val="25000"/>
+                  </a:schemeClr>
+                </a:solidFill>
+                <a:latin typeface="Segoe UI Light" panose="020B0502040204020203" pitchFamily="34" charset="0"/>
+                <a:cs typeface="Segoe UI Light" panose="020B0502040204020203" pitchFamily="34" charset="0"/>
+              </a:rPr>
+              <a:t>khu</a:t>
+            </a:r>
+            <a:r>
+              <a:rPr lang="en-US" sz="2000" dirty="0" smtClean="0">
+                <a:solidFill>
+                  <a:schemeClr val="tx1">
+                    <a:lumMod val="75000"/>
+                    <a:lumOff val="25000"/>
+                  </a:schemeClr>
+                </a:solidFill>
+                <a:latin typeface="Segoe UI Light" panose="020B0502040204020203" pitchFamily="34" charset="0"/>
+                <a:cs typeface="Segoe UI Light" panose="020B0502040204020203" pitchFamily="34" charset="0"/>
+              </a:rPr>
+              <a:t> </a:t>
+            </a:r>
+            <a:r>
+              <a:rPr lang="en-US" sz="2000" dirty="0" smtClean="0">
+                <a:solidFill>
+                  <a:schemeClr val="tx1">
+                    <a:lumMod val="75000"/>
+                    <a:lumOff val="25000"/>
+                  </a:schemeClr>
+                </a:solidFill>
+                <a:latin typeface="Segoe UI Light" panose="020B0502040204020203" pitchFamily="34" charset="0"/>
+                <a:cs typeface="Segoe UI Light" panose="020B0502040204020203" pitchFamily="34" charset="0"/>
+              </a:rPr>
+              <a:t>du </a:t>
             </a:r>
             <a:r>
               <a:rPr lang="en-US" sz="2000" dirty="0" err="1" smtClean="0">
@@ -15105,7 +15588,7 @@
         <p:spPr>
           <a:xfrm>
             <a:off x="3048000" y="2477720"/>
-            <a:ext cx="5562600" cy="1323439"/>
+            <a:ext cx="5562600" cy="1631216"/>
           </a:xfrm>
           <a:prstGeom prst="rect">
             <a:avLst/>
@@ -15119,17 +15602,732 @@
           <a:lstStyle/>
           <a:p>
             <a:r>
-              <a:rPr lang="en-US" sz="2000">
-                <a:solidFill>
-                  <a:schemeClr val="tx1">
-                    <a:lumMod val="75000"/>
-                    <a:lumOff val="25000"/>
-                  </a:schemeClr>
-                </a:solidFill>
-                <a:latin typeface="Segoe UI Light" pitchFamily="34" charset="0"/>
-                <a:cs typeface="Segoe UI Light" pitchFamily="34" charset="0"/>
-              </a:rPr>
-              <a:t>Nhóm 3 xin chân thành cảm ơn Thầy và các anh đã quan tâm giúp đỡ nhiệt tình </a:t>
+              <a:rPr lang="en-US" sz="2000" dirty="0" err="1">
+                <a:solidFill>
+                  <a:schemeClr val="tx1">
+                    <a:lumMod val="75000"/>
+                    <a:lumOff val="25000"/>
+                  </a:schemeClr>
+                </a:solidFill>
+                <a:latin typeface="Segoe UI Light" pitchFamily="34" charset="0"/>
+                <a:cs typeface="Segoe UI Light" pitchFamily="34" charset="0"/>
+              </a:rPr>
+              <a:t>Nhóm</a:t>
+            </a:r>
+            <a:r>
+              <a:rPr lang="en-US" sz="2000" dirty="0">
+                <a:solidFill>
+                  <a:schemeClr val="tx1">
+                    <a:lumMod val="75000"/>
+                    <a:lumOff val="25000"/>
+                  </a:schemeClr>
+                </a:solidFill>
+                <a:latin typeface="Segoe UI Light" pitchFamily="34" charset="0"/>
+                <a:cs typeface="Segoe UI Light" pitchFamily="34" charset="0"/>
+              </a:rPr>
+              <a:t> 3 </a:t>
+            </a:r>
+            <a:r>
+              <a:rPr lang="en-US" sz="2000" dirty="0" err="1">
+                <a:solidFill>
+                  <a:schemeClr val="tx1">
+                    <a:lumMod val="75000"/>
+                    <a:lumOff val="25000"/>
+                  </a:schemeClr>
+                </a:solidFill>
+                <a:latin typeface="Segoe UI Light" pitchFamily="34" charset="0"/>
+                <a:cs typeface="Segoe UI Light" pitchFamily="34" charset="0"/>
+              </a:rPr>
+              <a:t>xin</a:t>
+            </a:r>
+            <a:r>
+              <a:rPr lang="en-US" sz="2000" dirty="0">
+                <a:solidFill>
+                  <a:schemeClr val="tx1">
+                    <a:lumMod val="75000"/>
+                    <a:lumOff val="25000"/>
+                  </a:schemeClr>
+                </a:solidFill>
+                <a:latin typeface="Segoe UI Light" pitchFamily="34" charset="0"/>
+                <a:cs typeface="Segoe UI Light" pitchFamily="34" charset="0"/>
+              </a:rPr>
+              <a:t> </a:t>
+            </a:r>
+            <a:r>
+              <a:rPr lang="en-US" sz="2000" dirty="0" err="1">
+                <a:solidFill>
+                  <a:schemeClr val="tx1">
+                    <a:lumMod val="75000"/>
+                    <a:lumOff val="25000"/>
+                  </a:schemeClr>
+                </a:solidFill>
+                <a:latin typeface="Segoe UI Light" pitchFamily="34" charset="0"/>
+                <a:cs typeface="Segoe UI Light" pitchFamily="34" charset="0"/>
+              </a:rPr>
+              <a:t>chân</a:t>
+            </a:r>
+            <a:r>
+              <a:rPr lang="en-US" sz="2000" dirty="0">
+                <a:solidFill>
+                  <a:schemeClr val="tx1">
+                    <a:lumMod val="75000"/>
+                    <a:lumOff val="25000"/>
+                  </a:schemeClr>
+                </a:solidFill>
+                <a:latin typeface="Segoe UI Light" pitchFamily="34" charset="0"/>
+                <a:cs typeface="Segoe UI Light" pitchFamily="34" charset="0"/>
+              </a:rPr>
+              <a:t> </a:t>
+            </a:r>
+            <a:r>
+              <a:rPr lang="en-US" sz="2000" dirty="0" err="1">
+                <a:solidFill>
+                  <a:schemeClr val="tx1">
+                    <a:lumMod val="75000"/>
+                    <a:lumOff val="25000"/>
+                  </a:schemeClr>
+                </a:solidFill>
+                <a:latin typeface="Segoe UI Light" pitchFamily="34" charset="0"/>
+                <a:cs typeface="Segoe UI Light" pitchFamily="34" charset="0"/>
+              </a:rPr>
+              <a:t>thành</a:t>
+            </a:r>
+            <a:r>
+              <a:rPr lang="en-US" sz="2000" dirty="0">
+                <a:solidFill>
+                  <a:schemeClr val="tx1">
+                    <a:lumMod val="75000"/>
+                    <a:lumOff val="25000"/>
+                  </a:schemeClr>
+                </a:solidFill>
+                <a:latin typeface="Segoe UI Light" pitchFamily="34" charset="0"/>
+                <a:cs typeface="Segoe UI Light" pitchFamily="34" charset="0"/>
+              </a:rPr>
+              <a:t> </a:t>
+            </a:r>
+            <a:r>
+              <a:rPr lang="en-US" sz="2000" dirty="0" err="1">
+                <a:solidFill>
+                  <a:schemeClr val="tx1">
+                    <a:lumMod val="75000"/>
+                    <a:lumOff val="25000"/>
+                  </a:schemeClr>
+                </a:solidFill>
+                <a:latin typeface="Segoe UI Light" pitchFamily="34" charset="0"/>
+                <a:cs typeface="Segoe UI Light" pitchFamily="34" charset="0"/>
+              </a:rPr>
+              <a:t>cảm</a:t>
+            </a:r>
+            <a:r>
+              <a:rPr lang="en-US" sz="2000" dirty="0">
+                <a:solidFill>
+                  <a:schemeClr val="tx1">
+                    <a:lumMod val="75000"/>
+                    <a:lumOff val="25000"/>
+                  </a:schemeClr>
+                </a:solidFill>
+                <a:latin typeface="Segoe UI Light" pitchFamily="34" charset="0"/>
+                <a:cs typeface="Segoe UI Light" pitchFamily="34" charset="0"/>
+              </a:rPr>
+              <a:t> </a:t>
+            </a:r>
+            <a:r>
+              <a:rPr lang="en-US" sz="2000" dirty="0" err="1">
+                <a:solidFill>
+                  <a:schemeClr val="tx1">
+                    <a:lumMod val="75000"/>
+                    <a:lumOff val="25000"/>
+                  </a:schemeClr>
+                </a:solidFill>
+                <a:latin typeface="Segoe UI Light" pitchFamily="34" charset="0"/>
+                <a:cs typeface="Segoe UI Light" pitchFamily="34" charset="0"/>
+              </a:rPr>
+              <a:t>ơn</a:t>
+            </a:r>
+            <a:r>
+              <a:rPr lang="en-US" sz="2000" dirty="0">
+                <a:solidFill>
+                  <a:schemeClr val="tx1">
+                    <a:lumMod val="75000"/>
+                    <a:lumOff val="25000"/>
+                  </a:schemeClr>
+                </a:solidFill>
+                <a:latin typeface="Segoe UI Light" pitchFamily="34" charset="0"/>
+                <a:cs typeface="Segoe UI Light" pitchFamily="34" charset="0"/>
+              </a:rPr>
+              <a:t> </a:t>
+            </a:r>
+            <a:r>
+              <a:rPr lang="en-US" sz="2000" dirty="0" err="1">
+                <a:solidFill>
+                  <a:schemeClr val="tx1">
+                    <a:lumMod val="75000"/>
+                    <a:lumOff val="25000"/>
+                  </a:schemeClr>
+                </a:solidFill>
+                <a:latin typeface="Segoe UI Light" pitchFamily="34" charset="0"/>
+                <a:cs typeface="Segoe UI Light" pitchFamily="34" charset="0"/>
+              </a:rPr>
+              <a:t>Thầy</a:t>
+            </a:r>
+            <a:r>
+              <a:rPr lang="en-US" sz="2000" dirty="0">
+                <a:solidFill>
+                  <a:schemeClr val="tx1">
+                    <a:lumMod val="75000"/>
+                    <a:lumOff val="25000"/>
+                  </a:schemeClr>
+                </a:solidFill>
+                <a:latin typeface="Segoe UI Light" pitchFamily="34" charset="0"/>
+                <a:cs typeface="Segoe UI Light" pitchFamily="34" charset="0"/>
+              </a:rPr>
+              <a:t> </a:t>
+            </a:r>
+            <a:r>
+              <a:rPr lang="en-US" sz="2000" dirty="0" err="1">
+                <a:solidFill>
+                  <a:schemeClr val="tx1">
+                    <a:lumMod val="75000"/>
+                    <a:lumOff val="25000"/>
+                  </a:schemeClr>
+                </a:solidFill>
+                <a:latin typeface="Segoe UI Light" pitchFamily="34" charset="0"/>
+                <a:cs typeface="Segoe UI Light" pitchFamily="34" charset="0"/>
+              </a:rPr>
+              <a:t>và</a:t>
+            </a:r>
+            <a:r>
+              <a:rPr lang="en-US" sz="2000" dirty="0">
+                <a:solidFill>
+                  <a:schemeClr val="tx1">
+                    <a:lumMod val="75000"/>
+                    <a:lumOff val="25000"/>
+                  </a:schemeClr>
+                </a:solidFill>
+                <a:latin typeface="Segoe UI Light" pitchFamily="34" charset="0"/>
+                <a:cs typeface="Segoe UI Light" pitchFamily="34" charset="0"/>
+              </a:rPr>
+              <a:t> </a:t>
+            </a:r>
+            <a:r>
+              <a:rPr lang="en-US" sz="2000" dirty="0" err="1">
+                <a:solidFill>
+                  <a:schemeClr val="tx1">
+                    <a:lumMod val="75000"/>
+                    <a:lumOff val="25000"/>
+                  </a:schemeClr>
+                </a:solidFill>
+                <a:latin typeface="Segoe UI Light" pitchFamily="34" charset="0"/>
+                <a:cs typeface="Segoe UI Light" pitchFamily="34" charset="0"/>
+              </a:rPr>
+              <a:t>các</a:t>
+            </a:r>
+            <a:r>
+              <a:rPr lang="en-US" sz="2000" dirty="0">
+                <a:solidFill>
+                  <a:schemeClr val="tx1">
+                    <a:lumMod val="75000"/>
+                    <a:lumOff val="25000"/>
+                  </a:schemeClr>
+                </a:solidFill>
+                <a:latin typeface="Segoe UI Light" pitchFamily="34" charset="0"/>
+                <a:cs typeface="Segoe UI Light" pitchFamily="34" charset="0"/>
+              </a:rPr>
+              <a:t> anh </a:t>
+            </a:r>
+            <a:r>
+              <a:rPr lang="en-US" sz="2000" dirty="0" err="1">
+                <a:solidFill>
+                  <a:schemeClr val="tx1">
+                    <a:lumMod val="75000"/>
+                    <a:lumOff val="25000"/>
+                  </a:schemeClr>
+                </a:solidFill>
+                <a:latin typeface="Segoe UI Light" pitchFamily="34" charset="0"/>
+                <a:cs typeface="Segoe UI Light" pitchFamily="34" charset="0"/>
+              </a:rPr>
+              <a:t>đã</a:t>
+            </a:r>
+            <a:r>
+              <a:rPr lang="en-US" sz="2000" dirty="0">
+                <a:solidFill>
+                  <a:schemeClr val="tx1">
+                    <a:lumMod val="75000"/>
+                    <a:lumOff val="25000"/>
+                  </a:schemeClr>
+                </a:solidFill>
+                <a:latin typeface="Segoe UI Light" pitchFamily="34" charset="0"/>
+                <a:cs typeface="Segoe UI Light" pitchFamily="34" charset="0"/>
+              </a:rPr>
+              <a:t> </a:t>
+            </a:r>
+            <a:r>
+              <a:rPr lang="en-US" sz="2000" dirty="0" err="1">
+                <a:solidFill>
+                  <a:schemeClr val="tx1">
+                    <a:lumMod val="75000"/>
+                    <a:lumOff val="25000"/>
+                  </a:schemeClr>
+                </a:solidFill>
+                <a:latin typeface="Segoe UI Light" pitchFamily="34" charset="0"/>
+                <a:cs typeface="Segoe UI Light" pitchFamily="34" charset="0"/>
+              </a:rPr>
+              <a:t>quan</a:t>
+            </a:r>
+            <a:r>
+              <a:rPr lang="en-US" sz="2000" dirty="0">
+                <a:solidFill>
+                  <a:schemeClr val="tx1">
+                    <a:lumMod val="75000"/>
+                    <a:lumOff val="25000"/>
+                  </a:schemeClr>
+                </a:solidFill>
+                <a:latin typeface="Segoe UI Light" pitchFamily="34" charset="0"/>
+                <a:cs typeface="Segoe UI Light" pitchFamily="34" charset="0"/>
+              </a:rPr>
+              <a:t> </a:t>
+            </a:r>
+            <a:r>
+              <a:rPr lang="en-US" sz="2000" dirty="0" err="1">
+                <a:solidFill>
+                  <a:schemeClr val="tx1">
+                    <a:lumMod val="75000"/>
+                    <a:lumOff val="25000"/>
+                  </a:schemeClr>
+                </a:solidFill>
+                <a:latin typeface="Segoe UI Light" pitchFamily="34" charset="0"/>
+                <a:cs typeface="Segoe UI Light" pitchFamily="34" charset="0"/>
+              </a:rPr>
+              <a:t>tâm</a:t>
+            </a:r>
+            <a:r>
+              <a:rPr lang="en-US" sz="2000" dirty="0">
+                <a:solidFill>
+                  <a:schemeClr val="tx1">
+                    <a:lumMod val="75000"/>
+                    <a:lumOff val="25000"/>
+                  </a:schemeClr>
+                </a:solidFill>
+                <a:latin typeface="Segoe UI Light" pitchFamily="34" charset="0"/>
+                <a:cs typeface="Segoe UI Light" pitchFamily="34" charset="0"/>
+              </a:rPr>
+              <a:t> </a:t>
+            </a:r>
+            <a:r>
+              <a:rPr lang="en-US" sz="2000" dirty="0" err="1">
+                <a:solidFill>
+                  <a:schemeClr val="tx1">
+                    <a:lumMod val="75000"/>
+                    <a:lumOff val="25000"/>
+                  </a:schemeClr>
+                </a:solidFill>
+                <a:latin typeface="Segoe UI Light" pitchFamily="34" charset="0"/>
+                <a:cs typeface="Segoe UI Light" pitchFamily="34" charset="0"/>
+              </a:rPr>
+              <a:t>giúp</a:t>
+            </a:r>
+            <a:r>
+              <a:rPr lang="en-US" sz="2000" dirty="0">
+                <a:solidFill>
+                  <a:schemeClr val="tx1">
+                    <a:lumMod val="75000"/>
+                    <a:lumOff val="25000"/>
+                  </a:schemeClr>
+                </a:solidFill>
+                <a:latin typeface="Segoe UI Light" pitchFamily="34" charset="0"/>
+                <a:cs typeface="Segoe UI Light" pitchFamily="34" charset="0"/>
+              </a:rPr>
+              <a:t> </a:t>
+            </a:r>
+            <a:r>
+              <a:rPr lang="en-US" sz="2000" dirty="0" err="1" smtClean="0">
+                <a:solidFill>
+                  <a:schemeClr val="tx1">
+                    <a:lumMod val="75000"/>
+                    <a:lumOff val="25000"/>
+                  </a:schemeClr>
+                </a:solidFill>
+                <a:latin typeface="Segoe UI Light" pitchFamily="34" charset="0"/>
+                <a:cs typeface="Segoe UI Light" pitchFamily="34" charset="0"/>
+              </a:rPr>
+              <a:t>đỡ</a:t>
+            </a:r>
+            <a:r>
+              <a:rPr lang="en-US" sz="2000" dirty="0" smtClean="0">
+                <a:solidFill>
+                  <a:schemeClr val="tx1">
+                    <a:lumMod val="75000"/>
+                    <a:lumOff val="25000"/>
+                  </a:schemeClr>
+                </a:solidFill>
+                <a:latin typeface="Segoe UI Light" pitchFamily="34" charset="0"/>
+                <a:cs typeface="Segoe UI Light" pitchFamily="34" charset="0"/>
+              </a:rPr>
+              <a:t> </a:t>
+            </a:r>
+            <a:r>
+              <a:rPr lang="en-US" sz="2000" dirty="0" err="1" smtClean="0">
+                <a:solidFill>
+                  <a:schemeClr val="tx1">
+                    <a:lumMod val="75000"/>
+                    <a:lumOff val="25000"/>
+                  </a:schemeClr>
+                </a:solidFill>
+                <a:latin typeface="Segoe UI Light" pitchFamily="34" charset="0"/>
+                <a:cs typeface="Segoe UI Light" pitchFamily="34" charset="0"/>
+              </a:rPr>
+              <a:t>và</a:t>
+            </a:r>
+            <a:r>
+              <a:rPr lang="en-US" sz="2000" dirty="0" smtClean="0">
+                <a:solidFill>
+                  <a:schemeClr val="tx1">
+                    <a:lumMod val="75000"/>
+                    <a:lumOff val="25000"/>
+                  </a:schemeClr>
+                </a:solidFill>
+                <a:latin typeface="Segoe UI Light" pitchFamily="34" charset="0"/>
+                <a:cs typeface="Segoe UI Light" pitchFamily="34" charset="0"/>
+              </a:rPr>
+              <a:t> </a:t>
+            </a:r>
+            <a:r>
+              <a:rPr lang="en-US" sz="2000" dirty="0" err="1" smtClean="0">
+                <a:solidFill>
+                  <a:schemeClr val="tx1">
+                    <a:lumMod val="75000"/>
+                    <a:lumOff val="25000"/>
+                  </a:schemeClr>
+                </a:solidFill>
+                <a:latin typeface="Segoe UI Light" pitchFamily="34" charset="0"/>
+                <a:cs typeface="Segoe UI Light" pitchFamily="34" charset="0"/>
+              </a:rPr>
+              <a:t>hướng</a:t>
+            </a:r>
+            <a:r>
+              <a:rPr lang="en-US" sz="2000" dirty="0" smtClean="0">
+                <a:solidFill>
+                  <a:schemeClr val="tx1">
+                    <a:lumMod val="75000"/>
+                    <a:lumOff val="25000"/>
+                  </a:schemeClr>
+                </a:solidFill>
+                <a:latin typeface="Segoe UI Light" pitchFamily="34" charset="0"/>
+                <a:cs typeface="Segoe UI Light" pitchFamily="34" charset="0"/>
+              </a:rPr>
+              <a:t> </a:t>
+            </a:r>
+            <a:r>
+              <a:rPr lang="en-US" sz="2000" dirty="0" err="1" smtClean="0">
+                <a:solidFill>
+                  <a:schemeClr val="tx1">
+                    <a:lumMod val="75000"/>
+                    <a:lumOff val="25000"/>
+                  </a:schemeClr>
+                </a:solidFill>
+                <a:latin typeface="Segoe UI Light" pitchFamily="34" charset="0"/>
+                <a:cs typeface="Segoe UI Light" pitchFamily="34" charset="0"/>
+              </a:rPr>
+              <a:t>dẫn</a:t>
+            </a:r>
+            <a:r>
+              <a:rPr lang="en-US" sz="2000" dirty="0" smtClean="0">
+                <a:solidFill>
+                  <a:schemeClr val="tx1">
+                    <a:lumMod val="75000"/>
+                    <a:lumOff val="25000"/>
+                  </a:schemeClr>
+                </a:solidFill>
+                <a:latin typeface="Segoe UI Light" pitchFamily="34" charset="0"/>
+                <a:cs typeface="Segoe UI Light" pitchFamily="34" charset="0"/>
+              </a:rPr>
+              <a:t> </a:t>
+            </a:r>
+            <a:r>
+              <a:rPr lang="en-US" sz="2000" dirty="0" err="1">
+                <a:solidFill>
+                  <a:schemeClr val="tx1">
+                    <a:lumMod val="75000"/>
+                    <a:lumOff val="25000"/>
+                  </a:schemeClr>
+                </a:solidFill>
+                <a:latin typeface="Segoe UI Light" pitchFamily="34" charset="0"/>
+                <a:cs typeface="Segoe UI Light" pitchFamily="34" charset="0"/>
+              </a:rPr>
+              <a:t>nhiệt</a:t>
+            </a:r>
+            <a:r>
+              <a:rPr lang="en-US" sz="2000" dirty="0">
+                <a:solidFill>
+                  <a:schemeClr val="tx1">
+                    <a:lumMod val="75000"/>
+                    <a:lumOff val="25000"/>
+                  </a:schemeClr>
+                </a:solidFill>
+                <a:latin typeface="Segoe UI Light" pitchFamily="34" charset="0"/>
+                <a:cs typeface="Segoe UI Light" pitchFamily="34" charset="0"/>
+              </a:rPr>
+              <a:t> </a:t>
+            </a:r>
+            <a:r>
+              <a:rPr lang="en-US" sz="2000" dirty="0" err="1" smtClean="0">
+                <a:solidFill>
+                  <a:schemeClr val="tx1">
+                    <a:lumMod val="75000"/>
+                    <a:lumOff val="25000"/>
+                  </a:schemeClr>
+                </a:solidFill>
+                <a:latin typeface="Segoe UI Light" pitchFamily="34" charset="0"/>
+                <a:cs typeface="Segoe UI Light" pitchFamily="34" charset="0"/>
+              </a:rPr>
+              <a:t>tình</a:t>
+            </a:r>
+            <a:r>
+              <a:rPr lang="en-US" sz="2000" dirty="0" smtClean="0">
+                <a:solidFill>
+                  <a:schemeClr val="tx1">
+                    <a:lumMod val="75000"/>
+                    <a:lumOff val="25000"/>
+                  </a:schemeClr>
+                </a:solidFill>
+                <a:latin typeface="Segoe UI Light" pitchFamily="34" charset="0"/>
+                <a:cs typeface="Segoe UI Light" pitchFamily="34" charset="0"/>
+              </a:rPr>
+              <a:t> </a:t>
+            </a:r>
+            <a:r>
+              <a:rPr lang="en-US" sz="2000" dirty="0" err="1" smtClean="0">
+                <a:solidFill>
+                  <a:schemeClr val="tx1">
+                    <a:lumMod val="75000"/>
+                    <a:lumOff val="25000"/>
+                  </a:schemeClr>
+                </a:solidFill>
+                <a:latin typeface="Segoe UI Light" pitchFamily="34" charset="0"/>
+                <a:cs typeface="Segoe UI Light" pitchFamily="34" charset="0"/>
+              </a:rPr>
+              <a:t>để</a:t>
+            </a:r>
+            <a:r>
+              <a:rPr lang="en-US" sz="2000" dirty="0" smtClean="0">
+                <a:solidFill>
+                  <a:schemeClr val="tx1">
+                    <a:lumMod val="75000"/>
+                    <a:lumOff val="25000"/>
+                  </a:schemeClr>
+                </a:solidFill>
+                <a:latin typeface="Segoe UI Light" pitchFamily="34" charset="0"/>
+                <a:cs typeface="Segoe UI Light" pitchFamily="34" charset="0"/>
+              </a:rPr>
+              <a:t> </a:t>
+            </a:r>
+            <a:r>
+              <a:rPr lang="en-US" sz="2000" dirty="0" err="1" smtClean="0">
+                <a:solidFill>
+                  <a:schemeClr val="tx1">
+                    <a:lumMod val="75000"/>
+                    <a:lumOff val="25000"/>
+                  </a:schemeClr>
+                </a:solidFill>
+                <a:latin typeface="Segoe UI Light" pitchFamily="34" charset="0"/>
+                <a:cs typeface="Segoe UI Light" pitchFamily="34" charset="0"/>
+              </a:rPr>
+              <a:t>đề</a:t>
+            </a:r>
+            <a:r>
+              <a:rPr lang="en-US" sz="2000" dirty="0" smtClean="0">
+                <a:solidFill>
+                  <a:schemeClr val="tx1">
+                    <a:lumMod val="75000"/>
+                    <a:lumOff val="25000"/>
+                  </a:schemeClr>
+                </a:solidFill>
+                <a:latin typeface="Segoe UI Light" pitchFamily="34" charset="0"/>
+                <a:cs typeface="Segoe UI Light" pitchFamily="34" charset="0"/>
+              </a:rPr>
+              <a:t> </a:t>
+            </a:r>
+            <a:r>
+              <a:rPr lang="en-US" sz="2000" dirty="0" err="1" smtClean="0">
+                <a:solidFill>
+                  <a:schemeClr val="tx1">
+                    <a:lumMod val="75000"/>
+                    <a:lumOff val="25000"/>
+                  </a:schemeClr>
+                </a:solidFill>
+                <a:latin typeface="Segoe UI Light" pitchFamily="34" charset="0"/>
+                <a:cs typeface="Segoe UI Light" pitchFamily="34" charset="0"/>
+              </a:rPr>
+              <a:t>tài</a:t>
+            </a:r>
+            <a:r>
+              <a:rPr lang="en-US" sz="2000" dirty="0" smtClean="0">
+                <a:solidFill>
+                  <a:schemeClr val="tx1">
+                    <a:lumMod val="75000"/>
+                    <a:lumOff val="25000"/>
+                  </a:schemeClr>
+                </a:solidFill>
+                <a:latin typeface="Segoe UI Light" pitchFamily="34" charset="0"/>
+                <a:cs typeface="Segoe UI Light" pitchFamily="34" charset="0"/>
+              </a:rPr>
+              <a:t> </a:t>
+            </a:r>
+            <a:r>
+              <a:rPr lang="en-US" sz="2000" dirty="0" err="1">
+                <a:solidFill>
+                  <a:schemeClr val="tx1">
+                    <a:lumMod val="75000"/>
+                    <a:lumOff val="25000"/>
+                  </a:schemeClr>
+                </a:solidFill>
+                <a:latin typeface="Segoe UI Light" pitchFamily="34" charset="0"/>
+                <a:cs typeface="Segoe UI Light" pitchFamily="34" charset="0"/>
+              </a:rPr>
+              <a:t>của</a:t>
+            </a:r>
+            <a:r>
+              <a:rPr lang="en-US" sz="2000" dirty="0">
+                <a:solidFill>
+                  <a:schemeClr val="tx1">
+                    <a:lumMod val="75000"/>
+                    <a:lumOff val="25000"/>
+                  </a:schemeClr>
+                </a:solidFill>
+                <a:latin typeface="Segoe UI Light" pitchFamily="34" charset="0"/>
+                <a:cs typeface="Segoe UI Light" pitchFamily="34" charset="0"/>
+              </a:rPr>
+              <a:t> </a:t>
+            </a:r>
+            <a:r>
+              <a:rPr lang="en-US" sz="2000" dirty="0" err="1" smtClean="0">
+                <a:solidFill>
+                  <a:schemeClr val="tx1">
+                    <a:lumMod val="75000"/>
+                    <a:lumOff val="25000"/>
+                  </a:schemeClr>
+                </a:solidFill>
+                <a:latin typeface="Segoe UI Light" pitchFamily="34" charset="0"/>
+                <a:cs typeface="Segoe UI Light" pitchFamily="34" charset="0"/>
+              </a:rPr>
+              <a:t>nhóm</a:t>
+            </a:r>
+            <a:r>
+              <a:rPr lang="en-US" sz="2000" dirty="0" smtClean="0">
+                <a:solidFill>
+                  <a:schemeClr val="tx1">
+                    <a:lumMod val="75000"/>
+                    <a:lumOff val="25000"/>
+                  </a:schemeClr>
+                </a:solidFill>
+                <a:latin typeface="Segoe UI Light" pitchFamily="34" charset="0"/>
+                <a:cs typeface="Segoe UI Light" pitchFamily="34" charset="0"/>
+              </a:rPr>
+              <a:t> </a:t>
+            </a:r>
+            <a:r>
+              <a:rPr lang="en-US" sz="2000" dirty="0" err="1" smtClean="0">
+                <a:solidFill>
+                  <a:schemeClr val="tx1">
+                    <a:lumMod val="75000"/>
+                    <a:lumOff val="25000"/>
+                  </a:schemeClr>
+                </a:solidFill>
+                <a:latin typeface="Segoe UI Light" pitchFamily="34" charset="0"/>
+                <a:cs typeface="Segoe UI Light" pitchFamily="34" charset="0"/>
+              </a:rPr>
+              <a:t>hoàn</a:t>
+            </a:r>
+            <a:r>
+              <a:rPr lang="en-US" sz="2000" dirty="0" smtClean="0">
+                <a:solidFill>
+                  <a:schemeClr val="tx1">
+                    <a:lumMod val="75000"/>
+                    <a:lumOff val="25000"/>
+                  </a:schemeClr>
+                </a:solidFill>
+                <a:latin typeface="Segoe UI Light" pitchFamily="34" charset="0"/>
+                <a:cs typeface="Segoe UI Light" pitchFamily="34" charset="0"/>
+              </a:rPr>
+              <a:t> </a:t>
+            </a:r>
+            <a:r>
+              <a:rPr lang="en-US" sz="2000" dirty="0" err="1" smtClean="0">
+                <a:solidFill>
+                  <a:schemeClr val="tx1">
+                    <a:lumMod val="75000"/>
+                    <a:lumOff val="25000"/>
+                  </a:schemeClr>
+                </a:solidFill>
+                <a:latin typeface="Segoe UI Light" pitchFamily="34" charset="0"/>
+                <a:cs typeface="Segoe UI Light" pitchFamily="34" charset="0"/>
+              </a:rPr>
+              <a:t>thành</a:t>
+            </a:r>
+            <a:r>
+              <a:rPr lang="en-US" sz="2000" dirty="0" smtClean="0">
+                <a:solidFill>
+                  <a:schemeClr val="tx1">
+                    <a:lumMod val="75000"/>
+                    <a:lumOff val="25000"/>
+                  </a:schemeClr>
+                </a:solidFill>
+                <a:latin typeface="Segoe UI Light" pitchFamily="34" charset="0"/>
+                <a:cs typeface="Segoe UI Light" pitchFamily="34" charset="0"/>
+              </a:rPr>
+              <a:t> </a:t>
+            </a:r>
+            <a:r>
+              <a:rPr lang="en-US" sz="2000" dirty="0" err="1" smtClean="0">
+                <a:solidFill>
+                  <a:schemeClr val="tx1">
+                    <a:lumMod val="75000"/>
+                    <a:lumOff val="25000"/>
+                  </a:schemeClr>
+                </a:solidFill>
+                <a:latin typeface="Segoe UI Light" pitchFamily="34" charset="0"/>
+                <a:cs typeface="Segoe UI Light" pitchFamily="34" charset="0"/>
+              </a:rPr>
+              <a:t>theo</a:t>
+            </a:r>
+            <a:r>
+              <a:rPr lang="en-US" sz="2000" dirty="0" smtClean="0">
+                <a:solidFill>
+                  <a:schemeClr val="tx1">
+                    <a:lumMod val="75000"/>
+                    <a:lumOff val="25000"/>
+                  </a:schemeClr>
+                </a:solidFill>
+                <a:latin typeface="Segoe UI Light" pitchFamily="34" charset="0"/>
+                <a:cs typeface="Segoe UI Light" pitchFamily="34" charset="0"/>
+              </a:rPr>
+              <a:t> </a:t>
+            </a:r>
+            <a:r>
+              <a:rPr lang="en-US" sz="2000" dirty="0" err="1" smtClean="0">
+                <a:solidFill>
+                  <a:schemeClr val="tx1">
+                    <a:lumMod val="75000"/>
+                    <a:lumOff val="25000"/>
+                  </a:schemeClr>
+                </a:solidFill>
+                <a:latin typeface="Segoe UI Light" pitchFamily="34" charset="0"/>
+                <a:cs typeface="Segoe UI Light" pitchFamily="34" charset="0"/>
+              </a:rPr>
+              <a:t>dự</a:t>
+            </a:r>
+            <a:r>
+              <a:rPr lang="en-US" sz="2000" dirty="0" smtClean="0">
+                <a:solidFill>
+                  <a:schemeClr val="tx1">
+                    <a:lumMod val="75000"/>
+                    <a:lumOff val="25000"/>
+                  </a:schemeClr>
+                </a:solidFill>
+                <a:latin typeface="Segoe UI Light" pitchFamily="34" charset="0"/>
+                <a:cs typeface="Segoe UI Light" pitchFamily="34" charset="0"/>
+              </a:rPr>
+              <a:t> </a:t>
             </a:r>
             <a:r>
               <a:rPr lang="en-US" sz="2000" smtClean="0">
@@ -15142,31 +16340,320 @@
                 <a:latin typeface="Segoe UI Light" pitchFamily="34" charset="0"/>
                 <a:cs typeface="Segoe UI Light" pitchFamily="34" charset="0"/>
               </a:rPr>
-              <a:t>đề tài </a:t>
-            </a:r>
-            <a:r>
-              <a:rPr lang="en-US" sz="2000">
-                <a:solidFill>
-                  <a:schemeClr val="tx1">
-                    <a:lumMod val="75000"/>
-                    <a:lumOff val="25000"/>
-                  </a:schemeClr>
-                </a:solidFill>
-                <a:latin typeface="Segoe UI Light" pitchFamily="34" charset="0"/>
-                <a:cs typeface="Segoe UI Light" pitchFamily="34" charset="0"/>
-              </a:rPr>
-              <a:t>của nhóm. Rất mong nhận được sự đóng góp ý kiến của Thầy và các anh!</a:t>
-            </a:r>
-            <a:endParaRPr lang="en-US" sz="2000" dirty="0">
-              <a:solidFill>
-                <a:schemeClr val="tx1">
-                  <a:lumMod val="75000"/>
-                  <a:lumOff val="25000"/>
-                </a:schemeClr>
-              </a:solidFill>
-              <a:latin typeface="Segoe UI Light" pitchFamily="34" charset="0"/>
-              <a:cs typeface="Segoe UI Light" pitchFamily="34" charset="0"/>
-            </a:endParaRPr>
+              <a:t>kiến. </a:t>
+            </a:r>
+            <a:r>
+              <a:rPr lang="en-US" sz="2000" dirty="0" err="1">
+                <a:solidFill>
+                  <a:schemeClr val="tx1">
+                    <a:lumMod val="75000"/>
+                    <a:lumOff val="25000"/>
+                  </a:schemeClr>
+                </a:solidFill>
+                <a:latin typeface="Segoe UI Light" pitchFamily="34" charset="0"/>
+                <a:cs typeface="Segoe UI Light" pitchFamily="34" charset="0"/>
+              </a:rPr>
+              <a:t>Rất</a:t>
+            </a:r>
+            <a:r>
+              <a:rPr lang="en-US" sz="2000" dirty="0">
+                <a:solidFill>
+                  <a:schemeClr val="tx1">
+                    <a:lumMod val="75000"/>
+                    <a:lumOff val="25000"/>
+                  </a:schemeClr>
+                </a:solidFill>
+                <a:latin typeface="Segoe UI Light" pitchFamily="34" charset="0"/>
+                <a:cs typeface="Segoe UI Light" pitchFamily="34" charset="0"/>
+              </a:rPr>
+              <a:t> </a:t>
+            </a:r>
+            <a:r>
+              <a:rPr lang="en-US" sz="2000" dirty="0" err="1">
+                <a:solidFill>
+                  <a:schemeClr val="tx1">
+                    <a:lumMod val="75000"/>
+                    <a:lumOff val="25000"/>
+                  </a:schemeClr>
+                </a:solidFill>
+                <a:latin typeface="Segoe UI Light" pitchFamily="34" charset="0"/>
+                <a:cs typeface="Segoe UI Light" pitchFamily="34" charset="0"/>
+              </a:rPr>
+              <a:t>mong</a:t>
+            </a:r>
+            <a:r>
+              <a:rPr lang="en-US" sz="2000" dirty="0">
+                <a:solidFill>
+                  <a:schemeClr val="tx1">
+                    <a:lumMod val="75000"/>
+                    <a:lumOff val="25000"/>
+                  </a:schemeClr>
+                </a:solidFill>
+                <a:latin typeface="Segoe UI Light" pitchFamily="34" charset="0"/>
+                <a:cs typeface="Segoe UI Light" pitchFamily="34" charset="0"/>
+              </a:rPr>
+              <a:t> </a:t>
+            </a:r>
+            <a:r>
+              <a:rPr lang="en-US" sz="2000" dirty="0" err="1">
+                <a:solidFill>
+                  <a:schemeClr val="tx1">
+                    <a:lumMod val="75000"/>
+                    <a:lumOff val="25000"/>
+                  </a:schemeClr>
+                </a:solidFill>
+                <a:latin typeface="Segoe UI Light" pitchFamily="34" charset="0"/>
+                <a:cs typeface="Segoe UI Light" pitchFamily="34" charset="0"/>
+              </a:rPr>
+              <a:t>nhận</a:t>
+            </a:r>
+            <a:r>
+              <a:rPr lang="en-US" sz="2000" dirty="0">
+                <a:solidFill>
+                  <a:schemeClr val="tx1">
+                    <a:lumMod val="75000"/>
+                    <a:lumOff val="25000"/>
+                  </a:schemeClr>
+                </a:solidFill>
+                <a:latin typeface="Segoe UI Light" pitchFamily="34" charset="0"/>
+                <a:cs typeface="Segoe UI Light" pitchFamily="34" charset="0"/>
+              </a:rPr>
+              <a:t> </a:t>
+            </a:r>
+            <a:r>
+              <a:rPr lang="en-US" sz="2000" dirty="0" err="1">
+                <a:solidFill>
+                  <a:schemeClr val="tx1">
+                    <a:lumMod val="75000"/>
+                    <a:lumOff val="25000"/>
+                  </a:schemeClr>
+                </a:solidFill>
+                <a:latin typeface="Segoe UI Light" pitchFamily="34" charset="0"/>
+                <a:cs typeface="Segoe UI Light" pitchFamily="34" charset="0"/>
+              </a:rPr>
+              <a:t>được</a:t>
+            </a:r>
+            <a:r>
+              <a:rPr lang="en-US" sz="2000" dirty="0">
+                <a:solidFill>
+                  <a:schemeClr val="tx1">
+                    <a:lumMod val="75000"/>
+                    <a:lumOff val="25000"/>
+                  </a:schemeClr>
+                </a:solidFill>
+                <a:latin typeface="Segoe UI Light" pitchFamily="34" charset="0"/>
+                <a:cs typeface="Segoe UI Light" pitchFamily="34" charset="0"/>
+              </a:rPr>
+              <a:t> </a:t>
+            </a:r>
+            <a:r>
+              <a:rPr lang="en-US" sz="2000" dirty="0" err="1">
+                <a:solidFill>
+                  <a:schemeClr val="tx1">
+                    <a:lumMod val="75000"/>
+                    <a:lumOff val="25000"/>
+                  </a:schemeClr>
+                </a:solidFill>
+                <a:latin typeface="Segoe UI Light" pitchFamily="34" charset="0"/>
+                <a:cs typeface="Segoe UI Light" pitchFamily="34" charset="0"/>
+              </a:rPr>
+              <a:t>sự</a:t>
+            </a:r>
+            <a:r>
+              <a:rPr lang="en-US" sz="2000" dirty="0">
+                <a:solidFill>
+                  <a:schemeClr val="tx1">
+                    <a:lumMod val="75000"/>
+                    <a:lumOff val="25000"/>
+                  </a:schemeClr>
+                </a:solidFill>
+                <a:latin typeface="Segoe UI Light" pitchFamily="34" charset="0"/>
+                <a:cs typeface="Segoe UI Light" pitchFamily="34" charset="0"/>
+              </a:rPr>
+              <a:t> </a:t>
+            </a:r>
+            <a:r>
+              <a:rPr lang="en-US" sz="2000" dirty="0" err="1">
+                <a:solidFill>
+                  <a:schemeClr val="tx1">
+                    <a:lumMod val="75000"/>
+                    <a:lumOff val="25000"/>
+                  </a:schemeClr>
+                </a:solidFill>
+                <a:latin typeface="Segoe UI Light" pitchFamily="34" charset="0"/>
+                <a:cs typeface="Segoe UI Light" pitchFamily="34" charset="0"/>
+              </a:rPr>
+              <a:t>đóng</a:t>
+            </a:r>
+            <a:r>
+              <a:rPr lang="en-US" sz="2000" dirty="0">
+                <a:solidFill>
+                  <a:schemeClr val="tx1">
+                    <a:lumMod val="75000"/>
+                    <a:lumOff val="25000"/>
+                  </a:schemeClr>
+                </a:solidFill>
+                <a:latin typeface="Segoe UI Light" pitchFamily="34" charset="0"/>
+                <a:cs typeface="Segoe UI Light" pitchFamily="34" charset="0"/>
+              </a:rPr>
+              <a:t> </a:t>
+            </a:r>
+            <a:r>
+              <a:rPr lang="en-US" sz="2000" dirty="0" err="1">
+                <a:solidFill>
+                  <a:schemeClr val="tx1">
+                    <a:lumMod val="75000"/>
+                    <a:lumOff val="25000"/>
+                  </a:schemeClr>
+                </a:solidFill>
+                <a:latin typeface="Segoe UI Light" pitchFamily="34" charset="0"/>
+                <a:cs typeface="Segoe UI Light" pitchFamily="34" charset="0"/>
+              </a:rPr>
+              <a:t>góp</a:t>
+            </a:r>
+            <a:r>
+              <a:rPr lang="en-US" sz="2000" dirty="0">
+                <a:solidFill>
+                  <a:schemeClr val="tx1">
+                    <a:lumMod val="75000"/>
+                    <a:lumOff val="25000"/>
+                  </a:schemeClr>
+                </a:solidFill>
+                <a:latin typeface="Segoe UI Light" pitchFamily="34" charset="0"/>
+                <a:cs typeface="Segoe UI Light" pitchFamily="34" charset="0"/>
+              </a:rPr>
+              <a:t> ý </a:t>
+            </a:r>
+            <a:r>
+              <a:rPr lang="en-US" sz="2000" dirty="0" err="1">
+                <a:solidFill>
+                  <a:schemeClr val="tx1">
+                    <a:lumMod val="75000"/>
+                    <a:lumOff val="25000"/>
+                  </a:schemeClr>
+                </a:solidFill>
+                <a:latin typeface="Segoe UI Light" pitchFamily="34" charset="0"/>
+                <a:cs typeface="Segoe UI Light" pitchFamily="34" charset="0"/>
+              </a:rPr>
+              <a:t>kiến</a:t>
+            </a:r>
+            <a:r>
+              <a:rPr lang="en-US" sz="2000" dirty="0">
+                <a:solidFill>
+                  <a:schemeClr val="tx1">
+                    <a:lumMod val="75000"/>
+                    <a:lumOff val="25000"/>
+                  </a:schemeClr>
+                </a:solidFill>
+                <a:latin typeface="Segoe UI Light" pitchFamily="34" charset="0"/>
+                <a:cs typeface="Segoe UI Light" pitchFamily="34" charset="0"/>
+              </a:rPr>
+              <a:t> </a:t>
+            </a:r>
+            <a:r>
+              <a:rPr lang="en-US" sz="2000" dirty="0" err="1">
+                <a:solidFill>
+                  <a:schemeClr val="tx1">
+                    <a:lumMod val="75000"/>
+                    <a:lumOff val="25000"/>
+                  </a:schemeClr>
+                </a:solidFill>
+                <a:latin typeface="Segoe UI Light" pitchFamily="34" charset="0"/>
+                <a:cs typeface="Segoe UI Light" pitchFamily="34" charset="0"/>
+              </a:rPr>
+              <a:t>của</a:t>
+            </a:r>
+            <a:r>
+              <a:rPr lang="en-US" sz="2000" dirty="0">
+                <a:solidFill>
+                  <a:schemeClr val="tx1">
+                    <a:lumMod val="75000"/>
+                    <a:lumOff val="25000"/>
+                  </a:schemeClr>
+                </a:solidFill>
+                <a:latin typeface="Segoe UI Light" pitchFamily="34" charset="0"/>
+                <a:cs typeface="Segoe UI Light" pitchFamily="34" charset="0"/>
+              </a:rPr>
+              <a:t> </a:t>
+            </a:r>
+            <a:r>
+              <a:rPr lang="en-US" sz="2000" dirty="0" err="1">
+                <a:solidFill>
+                  <a:schemeClr val="tx1">
+                    <a:lumMod val="75000"/>
+                    <a:lumOff val="25000"/>
+                  </a:schemeClr>
+                </a:solidFill>
+                <a:latin typeface="Segoe UI Light" pitchFamily="34" charset="0"/>
+                <a:cs typeface="Segoe UI Light" pitchFamily="34" charset="0"/>
+              </a:rPr>
+              <a:t>Thầy</a:t>
+            </a:r>
+            <a:r>
+              <a:rPr lang="en-US" sz="2000" dirty="0">
+                <a:solidFill>
+                  <a:schemeClr val="tx1">
+                    <a:lumMod val="75000"/>
+                    <a:lumOff val="25000"/>
+                  </a:schemeClr>
+                </a:solidFill>
+                <a:latin typeface="Segoe UI Light" pitchFamily="34" charset="0"/>
+                <a:cs typeface="Segoe UI Light" pitchFamily="34" charset="0"/>
+              </a:rPr>
+              <a:t> </a:t>
+            </a:r>
+            <a:r>
+              <a:rPr lang="en-US" sz="2000" dirty="0" err="1">
+                <a:solidFill>
+                  <a:schemeClr val="tx1">
+                    <a:lumMod val="75000"/>
+                    <a:lumOff val="25000"/>
+                  </a:schemeClr>
+                </a:solidFill>
+                <a:latin typeface="Segoe UI Light" pitchFamily="34" charset="0"/>
+                <a:cs typeface="Segoe UI Light" pitchFamily="34" charset="0"/>
+              </a:rPr>
+              <a:t>và</a:t>
+            </a:r>
+            <a:r>
+              <a:rPr lang="en-US" sz="2000" dirty="0">
+                <a:solidFill>
+                  <a:schemeClr val="tx1">
+                    <a:lumMod val="75000"/>
+                    <a:lumOff val="25000"/>
+                  </a:schemeClr>
+                </a:solidFill>
+                <a:latin typeface="Segoe UI Light" pitchFamily="34" charset="0"/>
+                <a:cs typeface="Segoe UI Light" pitchFamily="34" charset="0"/>
+              </a:rPr>
+              <a:t> </a:t>
+            </a:r>
+            <a:r>
+              <a:rPr lang="en-US" sz="2000" dirty="0" err="1">
+                <a:solidFill>
+                  <a:schemeClr val="tx1">
+                    <a:lumMod val="75000"/>
+                    <a:lumOff val="25000"/>
+                  </a:schemeClr>
+                </a:solidFill>
+                <a:latin typeface="Segoe UI Light" pitchFamily="34" charset="0"/>
+                <a:cs typeface="Segoe UI Light" pitchFamily="34" charset="0"/>
+              </a:rPr>
+              <a:t>các</a:t>
+            </a:r>
+            <a:r>
+              <a:rPr lang="en-US" sz="2000" dirty="0">
+                <a:solidFill>
+                  <a:schemeClr val="tx1">
+                    <a:lumMod val="75000"/>
+                    <a:lumOff val="25000"/>
+                  </a:schemeClr>
+                </a:solidFill>
+                <a:latin typeface="Segoe UI Light" pitchFamily="34" charset="0"/>
+                <a:cs typeface="Segoe UI Light" pitchFamily="34" charset="0"/>
+              </a:rPr>
+              <a:t> anh!</a:t>
+            </a:r>
           </a:p>
         </p:txBody>
       </p:sp>

--- a/BaoCao/BaoCaov1.pptx
+++ b/BaoCao/BaoCaov1.pptx
@@ -5222,7 +5222,19 @@
             <a:pPr lvl="1" algn="just"/>
             <a:r>
               <a:rPr lang="vi-VN" dirty="0"/>
-              <a:t>Do vậy, nhóm mình quyết định thực hiện đề tài này với mong muốn đưa đến nhiều sự lựa chọn hơn cho khách hàng, và phát triển </a:t>
+              <a:t>Do vậy, </a:t>
+            </a:r>
+            <a:r>
+              <a:rPr lang="vi-VN"/>
+              <a:t>nhóm </a:t>
+            </a:r>
+            <a:r>
+              <a:rPr lang="vi-VN" smtClean="0"/>
+              <a:t>mình </a:t>
+            </a:r>
+            <a:r>
+              <a:rPr lang="vi-VN" dirty="0"/>
+              <a:t>quyết định thực hiện đề tài này với mong muốn đưa đến nhiều sự lựa chọn hơn cho khách hàng, và phát triển </a:t>
             </a:r>
             <a:r>
               <a:rPr lang="en-US" dirty="0"/>
@@ -7124,600 +7136,6 @@
       </p:sp>
       <p:sp>
         <p:nvSpPr>
-          <p:cNvPr id="18" name="TextBox 17"/>
-          <p:cNvSpPr txBox="1"/>
-          <p:nvPr/>
-        </p:nvSpPr>
-        <p:spPr>
-          <a:xfrm>
-            <a:off x="3048000" y="1183719"/>
-            <a:ext cx="5562600" cy="2092881"/>
-          </a:xfrm>
-          <a:prstGeom prst="rect">
-            <a:avLst/>
-          </a:prstGeom>
-          <a:noFill/>
-        </p:spPr>
-        <p:txBody>
-          <a:bodyPr wrap="square" rtlCol="0">
-            <a:spAutoFit/>
-          </a:bodyPr>
-          <a:lstStyle/>
-          <a:p>
-            <a:r>
-              <a:rPr lang="en-US" sz="2000" dirty="0" err="1" smtClean="0">
-                <a:solidFill>
-                  <a:schemeClr val="tx1">
-                    <a:lumMod val="75000"/>
-                    <a:lumOff val="25000"/>
-                  </a:schemeClr>
-                </a:solidFill>
-                <a:latin typeface="Segoe UI Light" pitchFamily="34" charset="0"/>
-                <a:cs typeface="Segoe UI Light" pitchFamily="34" charset="0"/>
-              </a:rPr>
-              <a:t>Khu</a:t>
-            </a:r>
-            <a:r>
-              <a:rPr lang="en-US" sz="2000" dirty="0" smtClean="0">
-                <a:solidFill>
-                  <a:schemeClr val="tx1">
-                    <a:lumMod val="75000"/>
-                    <a:lumOff val="25000"/>
-                  </a:schemeClr>
-                </a:solidFill>
-                <a:latin typeface="Segoe UI Light" pitchFamily="34" charset="0"/>
-                <a:cs typeface="Segoe UI Light" pitchFamily="34" charset="0"/>
-              </a:rPr>
-              <a:t> du </a:t>
-            </a:r>
-            <a:r>
-              <a:rPr lang="en-US" sz="2000" dirty="0" err="1" smtClean="0">
-                <a:solidFill>
-                  <a:schemeClr val="tx1">
-                    <a:lumMod val="75000"/>
-                    <a:lumOff val="25000"/>
-                  </a:schemeClr>
-                </a:solidFill>
-                <a:latin typeface="Segoe UI Light" pitchFamily="34" charset="0"/>
-                <a:cs typeface="Segoe UI Light" pitchFamily="34" charset="0"/>
-              </a:rPr>
-              <a:t>lịch</a:t>
-            </a:r>
-            <a:r>
-              <a:rPr lang="en-US" sz="2000" dirty="0" smtClean="0">
-                <a:solidFill>
-                  <a:schemeClr val="tx1">
-                    <a:lumMod val="75000"/>
-                    <a:lumOff val="25000"/>
-                  </a:schemeClr>
-                </a:solidFill>
-                <a:latin typeface="Segoe UI Light" pitchFamily="34" charset="0"/>
-                <a:cs typeface="Segoe UI Light" pitchFamily="34" charset="0"/>
-              </a:rPr>
-              <a:t> </a:t>
-            </a:r>
-            <a:r>
-              <a:rPr lang="en-US" sz="2000" dirty="0" err="1" smtClean="0">
-                <a:solidFill>
-                  <a:schemeClr val="tx1">
-                    <a:lumMod val="75000"/>
-                    <a:lumOff val="25000"/>
-                  </a:schemeClr>
-                </a:solidFill>
-                <a:latin typeface="Segoe UI Light" pitchFamily="34" charset="0"/>
-                <a:cs typeface="Segoe UI Light" pitchFamily="34" charset="0"/>
-              </a:rPr>
-              <a:t>Thung</a:t>
-            </a:r>
-            <a:r>
-              <a:rPr lang="en-US" sz="2000" dirty="0" smtClean="0">
-                <a:solidFill>
-                  <a:schemeClr val="tx1">
-                    <a:lumMod val="75000"/>
-                    <a:lumOff val="25000"/>
-                  </a:schemeClr>
-                </a:solidFill>
-                <a:latin typeface="Segoe UI Light" pitchFamily="34" charset="0"/>
-                <a:cs typeface="Segoe UI Light" pitchFamily="34" charset="0"/>
-              </a:rPr>
-              <a:t> </a:t>
-            </a:r>
-            <a:r>
-              <a:rPr lang="en-US" sz="2000" dirty="0" err="1" smtClean="0">
-                <a:solidFill>
-                  <a:schemeClr val="tx1">
-                    <a:lumMod val="75000"/>
-                    <a:lumOff val="25000"/>
-                  </a:schemeClr>
-                </a:solidFill>
-                <a:latin typeface="Segoe UI Light" pitchFamily="34" charset="0"/>
-                <a:cs typeface="Segoe UI Light" pitchFamily="34" charset="0"/>
-              </a:rPr>
-              <a:t>lũng</a:t>
-            </a:r>
-            <a:r>
-              <a:rPr lang="en-US" sz="2000" dirty="0" smtClean="0">
-                <a:solidFill>
-                  <a:schemeClr val="tx1">
-                    <a:lumMod val="75000"/>
-                    <a:lumOff val="25000"/>
-                  </a:schemeClr>
-                </a:solidFill>
-                <a:latin typeface="Segoe UI Light" pitchFamily="34" charset="0"/>
-                <a:cs typeface="Segoe UI Light" pitchFamily="34" charset="0"/>
-              </a:rPr>
-              <a:t> </a:t>
-            </a:r>
-            <a:r>
-              <a:rPr lang="en-US" sz="2000" dirty="0" err="1" smtClean="0">
-                <a:solidFill>
-                  <a:schemeClr val="tx1">
-                    <a:lumMod val="75000"/>
-                    <a:lumOff val="25000"/>
-                  </a:schemeClr>
-                </a:solidFill>
-                <a:latin typeface="Segoe UI Light" pitchFamily="34" charset="0"/>
-                <a:cs typeface="Segoe UI Light" pitchFamily="34" charset="0"/>
-              </a:rPr>
-              <a:t>tình</a:t>
-            </a:r>
-            <a:r>
-              <a:rPr lang="en-US" sz="2000" dirty="0" smtClean="0">
-                <a:solidFill>
-                  <a:schemeClr val="tx1">
-                    <a:lumMod val="75000"/>
-                    <a:lumOff val="25000"/>
-                  </a:schemeClr>
-                </a:solidFill>
-                <a:latin typeface="Segoe UI Light" pitchFamily="34" charset="0"/>
-                <a:cs typeface="Segoe UI Light" pitchFamily="34" charset="0"/>
-              </a:rPr>
-              <a:t> </a:t>
-            </a:r>
-            <a:r>
-              <a:rPr lang="en-US" sz="2000" dirty="0" err="1" smtClean="0">
-                <a:solidFill>
-                  <a:schemeClr val="tx1">
-                    <a:lumMod val="75000"/>
-                    <a:lumOff val="25000"/>
-                  </a:schemeClr>
-                </a:solidFill>
-                <a:latin typeface="Segoe UI Light" pitchFamily="34" charset="0"/>
-                <a:cs typeface="Segoe UI Light" pitchFamily="34" charset="0"/>
-              </a:rPr>
-              <a:t>yêu</a:t>
-            </a:r>
-            <a:r>
-              <a:rPr lang="en-US" sz="2000" dirty="0" smtClean="0">
-                <a:solidFill>
-                  <a:schemeClr val="tx1">
-                    <a:lumMod val="75000"/>
-                    <a:lumOff val="25000"/>
-                  </a:schemeClr>
-                </a:solidFill>
-                <a:latin typeface="Segoe UI Light" pitchFamily="34" charset="0"/>
-                <a:cs typeface="Segoe UI Light" pitchFamily="34" charset="0"/>
-              </a:rPr>
-              <a:t> </a:t>
-            </a:r>
-            <a:r>
-              <a:rPr lang="en-US" sz="2000" dirty="0" err="1" smtClean="0">
-                <a:solidFill>
-                  <a:schemeClr val="tx1">
-                    <a:lumMod val="75000"/>
-                    <a:lumOff val="25000"/>
-                  </a:schemeClr>
-                </a:solidFill>
-                <a:latin typeface="Segoe UI Light" pitchFamily="34" charset="0"/>
-                <a:cs typeface="Segoe UI Light" pitchFamily="34" charset="0"/>
-              </a:rPr>
-              <a:t>có</a:t>
-            </a:r>
-            <a:r>
-              <a:rPr lang="en-US" sz="2000" dirty="0" smtClean="0">
-                <a:solidFill>
-                  <a:schemeClr val="tx1">
-                    <a:lumMod val="75000"/>
-                    <a:lumOff val="25000"/>
-                  </a:schemeClr>
-                </a:solidFill>
-                <a:latin typeface="Segoe UI Light" pitchFamily="34" charset="0"/>
-                <a:cs typeface="Segoe UI Light" pitchFamily="34" charset="0"/>
-              </a:rPr>
-              <a:t>:</a:t>
-            </a:r>
-          </a:p>
-          <a:p>
-            <a:pPr marL="625475" indent="-396875">
-              <a:spcBef>
-                <a:spcPts val="1200"/>
-              </a:spcBef>
-              <a:buClr>
-                <a:srgbClr val="00B404"/>
-              </a:buClr>
-              <a:buFont typeface="Segoe UI Light" pitchFamily="34" charset="0"/>
-              <a:buChar char="■"/>
-            </a:pPr>
-            <a:r>
-              <a:rPr lang="en-US" sz="2000" dirty="0" smtClean="0">
-                <a:solidFill>
-                  <a:schemeClr val="tx1">
-                    <a:lumMod val="75000"/>
-                    <a:lumOff val="25000"/>
-                  </a:schemeClr>
-                </a:solidFill>
-                <a:latin typeface="Segoe UI Light" pitchFamily="34" charset="0"/>
-                <a:cs typeface="Segoe UI Light" pitchFamily="34" charset="0"/>
-              </a:rPr>
-              <a:t>Hosting </a:t>
-            </a:r>
-            <a:r>
-              <a:rPr lang="en-US" sz="2000" dirty="0" err="1" smtClean="0">
-                <a:solidFill>
-                  <a:schemeClr val="tx1">
-                    <a:lumMod val="75000"/>
-                    <a:lumOff val="25000"/>
-                  </a:schemeClr>
-                </a:solidFill>
-                <a:latin typeface="Segoe UI Light" pitchFamily="34" charset="0"/>
-                <a:cs typeface="Segoe UI Light" pitchFamily="34" charset="0"/>
-              </a:rPr>
-              <a:t>riêng</a:t>
-            </a:r>
-            <a:endParaRPr lang="en-US" sz="2000" dirty="0" smtClean="0">
-              <a:solidFill>
-                <a:schemeClr val="tx1">
-                  <a:lumMod val="75000"/>
-                  <a:lumOff val="25000"/>
-                </a:schemeClr>
-              </a:solidFill>
-              <a:latin typeface="Segoe UI Light" pitchFamily="34" charset="0"/>
-              <a:cs typeface="Segoe UI Light" pitchFamily="34" charset="0"/>
-            </a:endParaRPr>
-          </a:p>
-          <a:p>
-            <a:pPr marL="625475" indent="-396875">
-              <a:buClr>
-                <a:srgbClr val="00B404"/>
-              </a:buClr>
-              <a:buFont typeface="Segoe UI Light" pitchFamily="34" charset="0"/>
-              <a:buChar char="■"/>
-            </a:pPr>
-            <a:r>
-              <a:rPr lang="en-US" sz="2000" dirty="0" smtClean="0">
-                <a:solidFill>
-                  <a:schemeClr val="tx1">
-                    <a:lumMod val="75000"/>
-                    <a:lumOff val="25000"/>
-                  </a:schemeClr>
-                </a:solidFill>
-                <a:latin typeface="Segoe UI Light" pitchFamily="34" charset="0"/>
-                <a:cs typeface="Segoe UI Light" pitchFamily="34" charset="0"/>
-              </a:rPr>
-              <a:t>5 </a:t>
-            </a:r>
-            <a:r>
-              <a:rPr lang="en-US" sz="2000" dirty="0" err="1" smtClean="0">
-                <a:solidFill>
-                  <a:schemeClr val="tx1">
-                    <a:lumMod val="75000"/>
-                    <a:lumOff val="25000"/>
-                  </a:schemeClr>
-                </a:solidFill>
-                <a:latin typeface="Segoe UI Light" pitchFamily="34" charset="0"/>
-                <a:cs typeface="Segoe UI Light" pitchFamily="34" charset="0"/>
-              </a:rPr>
-              <a:t>máy</a:t>
-            </a:r>
-            <a:r>
-              <a:rPr lang="en-US" sz="2000" dirty="0" smtClean="0">
-                <a:solidFill>
-                  <a:schemeClr val="tx1">
-                    <a:lumMod val="75000"/>
-                    <a:lumOff val="25000"/>
-                  </a:schemeClr>
-                </a:solidFill>
-                <a:latin typeface="Segoe UI Light" pitchFamily="34" charset="0"/>
-                <a:cs typeface="Segoe UI Light" pitchFamily="34" charset="0"/>
-              </a:rPr>
-              <a:t> </a:t>
-            </a:r>
-            <a:r>
-              <a:rPr lang="en-US" sz="2000" dirty="0" err="1" smtClean="0">
-                <a:solidFill>
-                  <a:schemeClr val="tx1">
-                    <a:lumMod val="75000"/>
-                    <a:lumOff val="25000"/>
-                  </a:schemeClr>
-                </a:solidFill>
-                <a:latin typeface="Segoe UI Light" pitchFamily="34" charset="0"/>
-                <a:cs typeface="Segoe UI Light" pitchFamily="34" charset="0"/>
-              </a:rPr>
-              <a:t>tính</a:t>
-            </a:r>
-            <a:endParaRPr lang="en-US" sz="2000" dirty="0" smtClean="0">
-              <a:solidFill>
-                <a:schemeClr val="tx1">
-                  <a:lumMod val="75000"/>
-                  <a:lumOff val="25000"/>
-                </a:schemeClr>
-              </a:solidFill>
-              <a:latin typeface="Segoe UI Light" pitchFamily="34" charset="0"/>
-              <a:cs typeface="Segoe UI Light" pitchFamily="34" charset="0"/>
-            </a:endParaRPr>
-          </a:p>
-          <a:p>
-            <a:pPr marL="625475" indent="-396875">
-              <a:buClr>
-                <a:srgbClr val="00B404"/>
-              </a:buClr>
-              <a:buFont typeface="Segoe UI Light" pitchFamily="34" charset="0"/>
-              <a:buChar char="■"/>
-            </a:pPr>
-            <a:r>
-              <a:rPr lang="en-US" sz="2000" dirty="0" smtClean="0">
-                <a:solidFill>
-                  <a:schemeClr val="tx1">
-                    <a:lumMod val="75000"/>
-                    <a:lumOff val="25000"/>
-                  </a:schemeClr>
-                </a:solidFill>
-                <a:latin typeface="Segoe UI Light" pitchFamily="34" charset="0"/>
-                <a:cs typeface="Segoe UI Light" pitchFamily="34" charset="0"/>
-              </a:rPr>
-              <a:t>1 </a:t>
-            </a:r>
-            <a:r>
-              <a:rPr lang="en-US" sz="2000" dirty="0" err="1" smtClean="0">
-                <a:solidFill>
-                  <a:schemeClr val="tx1">
-                    <a:lumMod val="75000"/>
-                    <a:lumOff val="25000"/>
-                  </a:schemeClr>
-                </a:solidFill>
-                <a:latin typeface="Segoe UI Light" pitchFamily="34" charset="0"/>
-                <a:cs typeface="Segoe UI Light" pitchFamily="34" charset="0"/>
-              </a:rPr>
-              <a:t>máy</a:t>
-            </a:r>
-            <a:r>
-              <a:rPr lang="en-US" sz="2000" dirty="0" smtClean="0">
-                <a:solidFill>
-                  <a:schemeClr val="tx1">
-                    <a:lumMod val="75000"/>
-                    <a:lumOff val="25000"/>
-                  </a:schemeClr>
-                </a:solidFill>
-                <a:latin typeface="Segoe UI Light" pitchFamily="34" charset="0"/>
-                <a:cs typeface="Segoe UI Light" pitchFamily="34" charset="0"/>
-              </a:rPr>
-              <a:t> in</a:t>
-            </a:r>
-          </a:p>
-          <a:p>
-            <a:pPr marL="625475" indent="-396875">
-              <a:buClr>
-                <a:srgbClr val="00B404"/>
-              </a:buClr>
-              <a:buFont typeface="Segoe UI Light" pitchFamily="34" charset="0"/>
-              <a:buChar char="■"/>
-            </a:pPr>
-            <a:r>
-              <a:rPr lang="en-US" sz="2000" dirty="0" smtClean="0">
-                <a:solidFill>
-                  <a:schemeClr val="tx1">
-                    <a:lumMod val="75000"/>
-                    <a:lumOff val="25000"/>
-                  </a:schemeClr>
-                </a:solidFill>
-                <a:latin typeface="Segoe UI Light" pitchFamily="34" charset="0"/>
-                <a:cs typeface="Segoe UI Light" pitchFamily="34" charset="0"/>
-              </a:rPr>
-              <a:t>3 </a:t>
-            </a:r>
-            <a:r>
-              <a:rPr lang="en-US" sz="2000" dirty="0" err="1" smtClean="0">
-                <a:solidFill>
-                  <a:schemeClr val="tx1">
-                    <a:lumMod val="75000"/>
-                    <a:lumOff val="25000"/>
-                  </a:schemeClr>
-                </a:solidFill>
-                <a:latin typeface="Segoe UI Light" pitchFamily="34" charset="0"/>
-                <a:cs typeface="Segoe UI Light" pitchFamily="34" charset="0"/>
-              </a:rPr>
-              <a:t>điện</a:t>
-            </a:r>
-            <a:r>
-              <a:rPr lang="en-US" sz="2000" dirty="0" smtClean="0">
-                <a:solidFill>
-                  <a:schemeClr val="tx1">
-                    <a:lumMod val="75000"/>
-                    <a:lumOff val="25000"/>
-                  </a:schemeClr>
-                </a:solidFill>
-                <a:latin typeface="Segoe UI Light" pitchFamily="34" charset="0"/>
-                <a:cs typeface="Segoe UI Light" pitchFamily="34" charset="0"/>
-              </a:rPr>
-              <a:t> </a:t>
-            </a:r>
-            <a:r>
-              <a:rPr lang="en-US" sz="2000" dirty="0" err="1" smtClean="0">
-                <a:solidFill>
-                  <a:schemeClr val="tx1">
-                    <a:lumMod val="75000"/>
-                    <a:lumOff val="25000"/>
-                  </a:schemeClr>
-                </a:solidFill>
-                <a:latin typeface="Segoe UI Light" pitchFamily="34" charset="0"/>
-                <a:cs typeface="Segoe UI Light" pitchFamily="34" charset="0"/>
-              </a:rPr>
-              <a:t>thoại</a:t>
-            </a:r>
-            <a:r>
-              <a:rPr lang="en-US" sz="2000" dirty="0" smtClean="0">
-                <a:solidFill>
-                  <a:schemeClr val="tx1">
-                    <a:lumMod val="75000"/>
-                    <a:lumOff val="25000"/>
-                  </a:schemeClr>
-                </a:solidFill>
-                <a:latin typeface="Segoe UI Light" pitchFamily="34" charset="0"/>
-                <a:cs typeface="Segoe UI Light" pitchFamily="34" charset="0"/>
-              </a:rPr>
-              <a:t> </a:t>
-            </a:r>
-            <a:r>
-              <a:rPr lang="en-US" sz="2000" dirty="0" err="1" smtClean="0">
-                <a:solidFill>
-                  <a:schemeClr val="tx1">
-                    <a:lumMod val="75000"/>
-                    <a:lumOff val="25000"/>
-                  </a:schemeClr>
-                </a:solidFill>
-                <a:latin typeface="Segoe UI Light" pitchFamily="34" charset="0"/>
-                <a:cs typeface="Segoe UI Light" pitchFamily="34" charset="0"/>
-              </a:rPr>
-              <a:t>bàn</a:t>
-            </a:r>
-            <a:endParaRPr lang="en-US" sz="2000" dirty="0" smtClean="0">
-              <a:solidFill>
-                <a:schemeClr val="tx1">
-                  <a:lumMod val="75000"/>
-                  <a:lumOff val="25000"/>
-                </a:schemeClr>
-              </a:solidFill>
-              <a:latin typeface="Segoe UI Light" pitchFamily="34" charset="0"/>
-              <a:cs typeface="Segoe UI Light" pitchFamily="34" charset="0"/>
-            </a:endParaRPr>
-          </a:p>
-          <a:p>
-            <a:pPr marL="625475" indent="-396875">
-              <a:buClr>
-                <a:srgbClr val="00B404"/>
-              </a:buClr>
-              <a:buFont typeface="Segoe UI Light" pitchFamily="34" charset="0"/>
-              <a:buChar char="■"/>
-            </a:pPr>
-            <a:r>
-              <a:rPr lang="en-US" sz="2000" dirty="0" smtClean="0">
-                <a:solidFill>
-                  <a:schemeClr val="tx1">
-                    <a:lumMod val="75000"/>
-                    <a:lumOff val="25000"/>
-                  </a:schemeClr>
-                </a:solidFill>
-                <a:latin typeface="Segoe UI Light" pitchFamily="34" charset="0"/>
-                <a:cs typeface="Segoe UI Light" pitchFamily="34" charset="0"/>
-              </a:rPr>
-              <a:t>5 </a:t>
-            </a:r>
-            <a:r>
-              <a:rPr lang="en-US" sz="2000" dirty="0" err="1" smtClean="0">
-                <a:solidFill>
-                  <a:schemeClr val="tx1">
-                    <a:lumMod val="75000"/>
-                    <a:lumOff val="25000"/>
-                  </a:schemeClr>
-                </a:solidFill>
-                <a:latin typeface="Segoe UI Light" pitchFamily="34" charset="0"/>
-                <a:cs typeface="Segoe UI Light" pitchFamily="34" charset="0"/>
-              </a:rPr>
-              <a:t>nhân</a:t>
-            </a:r>
-            <a:r>
-              <a:rPr lang="en-US" sz="2000" dirty="0" smtClean="0">
-                <a:solidFill>
-                  <a:schemeClr val="tx1">
-                    <a:lumMod val="75000"/>
-                    <a:lumOff val="25000"/>
-                  </a:schemeClr>
-                </a:solidFill>
-                <a:latin typeface="Segoe UI Light" pitchFamily="34" charset="0"/>
-                <a:cs typeface="Segoe UI Light" pitchFamily="34" charset="0"/>
-              </a:rPr>
-              <a:t> </a:t>
-            </a:r>
-            <a:r>
-              <a:rPr lang="en-US" sz="2000" dirty="0" err="1" smtClean="0">
-                <a:solidFill>
-                  <a:schemeClr val="tx1">
-                    <a:lumMod val="75000"/>
-                    <a:lumOff val="25000"/>
-                  </a:schemeClr>
-                </a:solidFill>
-                <a:latin typeface="Segoe UI Light" pitchFamily="34" charset="0"/>
-                <a:cs typeface="Segoe UI Light" pitchFamily="34" charset="0"/>
-              </a:rPr>
-              <a:t>viên</a:t>
-            </a:r>
-            <a:r>
-              <a:rPr lang="en-US" sz="2000" dirty="0" smtClean="0">
-                <a:solidFill>
-                  <a:schemeClr val="tx1">
-                    <a:lumMod val="75000"/>
-                    <a:lumOff val="25000"/>
-                  </a:schemeClr>
-                </a:solidFill>
-                <a:latin typeface="Segoe UI Light" pitchFamily="34" charset="0"/>
-                <a:cs typeface="Segoe UI Light" pitchFamily="34" charset="0"/>
-              </a:rPr>
-              <a:t> </a:t>
-            </a:r>
-            <a:r>
-              <a:rPr lang="en-US" sz="2000" dirty="0" err="1" smtClean="0">
-                <a:solidFill>
-                  <a:schemeClr val="tx1">
-                    <a:lumMod val="75000"/>
-                    <a:lumOff val="25000"/>
-                  </a:schemeClr>
-                </a:solidFill>
-                <a:latin typeface="Segoe UI Light" pitchFamily="34" charset="0"/>
-                <a:cs typeface="Segoe UI Light" pitchFamily="34" charset="0"/>
-              </a:rPr>
-              <a:t>kỹ</a:t>
-            </a:r>
-            <a:r>
-              <a:rPr lang="en-US" sz="2000" dirty="0" smtClean="0">
-                <a:solidFill>
-                  <a:schemeClr val="tx1">
-                    <a:lumMod val="75000"/>
-                    <a:lumOff val="25000"/>
-                  </a:schemeClr>
-                </a:solidFill>
-                <a:latin typeface="Segoe UI Light" pitchFamily="34" charset="0"/>
-                <a:cs typeface="Segoe UI Light" pitchFamily="34" charset="0"/>
-              </a:rPr>
-              <a:t> </a:t>
-            </a:r>
-            <a:r>
-              <a:rPr lang="en-US" sz="2000" dirty="0" err="1" smtClean="0">
-                <a:solidFill>
-                  <a:schemeClr val="tx1">
-                    <a:lumMod val="75000"/>
-                    <a:lumOff val="25000"/>
-                  </a:schemeClr>
-                </a:solidFill>
-                <a:latin typeface="Segoe UI Light" pitchFamily="34" charset="0"/>
-                <a:cs typeface="Segoe UI Light" pitchFamily="34" charset="0"/>
-              </a:rPr>
-              <a:t>thuật</a:t>
-            </a:r>
-            <a:endParaRPr lang="en-US" sz="2000" dirty="0">
-              <a:solidFill>
-                <a:schemeClr val="tx1">
-                  <a:lumMod val="75000"/>
-                  <a:lumOff val="25000"/>
-                </a:schemeClr>
-              </a:solidFill>
-              <a:latin typeface="Segoe UI Light" pitchFamily="34" charset="0"/>
-              <a:cs typeface="Segoe UI Light" pitchFamily="34" charset="0"/>
-            </a:endParaRPr>
-          </a:p>
-        </p:txBody>
-      </p:sp>
-      <p:sp>
-        <p:nvSpPr>
           <p:cNvPr id="12" name="Rectangle 11">
             <a:hlinkClick r:id="rId6" action="ppaction://hlinksldjump"/>
           </p:cNvPr>
@@ -7911,14 +7329,174 @@
       </p:sp>
       <p:sp>
         <p:nvSpPr>
-          <p:cNvPr id="21" name="TextBox 20"/>
+          <p:cNvPr id="8" name="Rectangle 7"/>
+          <p:cNvSpPr/>
+          <p:nvPr/>
+        </p:nvSpPr>
+        <p:spPr>
+          <a:xfrm>
+            <a:off x="3048000" y="1259919"/>
+            <a:ext cx="4572000" cy="2092881"/>
+          </a:xfrm>
+          <a:prstGeom prst="rect">
+            <a:avLst/>
+          </a:prstGeom>
+        </p:spPr>
+        <p:txBody>
+          <a:bodyPr>
+            <a:spAutoFit/>
+          </a:bodyPr>
+          <a:lstStyle/>
+          <a:p>
+            <a:r>
+              <a:rPr lang="en-US" sz="2000">
+                <a:solidFill>
+                  <a:schemeClr val="tx1">
+                    <a:lumMod val="75000"/>
+                    <a:lumOff val="25000"/>
+                  </a:schemeClr>
+                </a:solidFill>
+                <a:latin typeface="Segoe UI Light" pitchFamily="34" charset="0"/>
+                <a:cs typeface="Segoe UI Light" pitchFamily="34" charset="0"/>
+              </a:rPr>
+              <a:t>Khu du lịch Thung lũng tình yêu có:</a:t>
+            </a:r>
+          </a:p>
+          <a:p>
+            <a:pPr marL="625475" indent="-396875">
+              <a:spcBef>
+                <a:spcPts val="1200"/>
+              </a:spcBef>
+              <a:buClr>
+                <a:srgbClr val="00B404"/>
+              </a:buClr>
+              <a:buFont typeface="Segoe UI Light" pitchFamily="34" charset="0"/>
+              <a:buChar char="■"/>
+            </a:pPr>
+            <a:r>
+              <a:rPr lang="en-US" sz="2000">
+                <a:solidFill>
+                  <a:schemeClr val="tx1">
+                    <a:lumMod val="75000"/>
+                    <a:lumOff val="25000"/>
+                  </a:schemeClr>
+                </a:solidFill>
+                <a:latin typeface="Segoe UI Light" pitchFamily="34" charset="0"/>
+                <a:cs typeface="Segoe UI Light" pitchFamily="34" charset="0"/>
+              </a:rPr>
+              <a:t>Hosting riêng</a:t>
+            </a:r>
+          </a:p>
+          <a:p>
+            <a:pPr marL="625475" indent="-396875">
+              <a:buClr>
+                <a:srgbClr val="00B404"/>
+              </a:buClr>
+              <a:buFont typeface="Segoe UI Light" pitchFamily="34" charset="0"/>
+              <a:buChar char="■"/>
+            </a:pPr>
+            <a:r>
+              <a:rPr lang="en-US" sz="2000">
+                <a:solidFill>
+                  <a:schemeClr val="tx1">
+                    <a:lumMod val="75000"/>
+                    <a:lumOff val="25000"/>
+                  </a:schemeClr>
+                </a:solidFill>
+                <a:latin typeface="Segoe UI Light" pitchFamily="34" charset="0"/>
+                <a:cs typeface="Segoe UI Light" pitchFamily="34" charset="0"/>
+              </a:rPr>
+              <a:t>5 máy tính</a:t>
+            </a:r>
+          </a:p>
+          <a:p>
+            <a:pPr marL="625475" indent="-396875">
+              <a:buClr>
+                <a:srgbClr val="00B404"/>
+              </a:buClr>
+              <a:buFont typeface="Segoe UI Light" pitchFamily="34" charset="0"/>
+              <a:buChar char="■"/>
+            </a:pPr>
+            <a:r>
+              <a:rPr lang="en-US" sz="2000">
+                <a:solidFill>
+                  <a:schemeClr val="tx1">
+                    <a:lumMod val="75000"/>
+                    <a:lumOff val="25000"/>
+                  </a:schemeClr>
+                </a:solidFill>
+                <a:latin typeface="Segoe UI Light" pitchFamily="34" charset="0"/>
+                <a:cs typeface="Segoe UI Light" pitchFamily="34" charset="0"/>
+              </a:rPr>
+              <a:t>1 máy in</a:t>
+            </a:r>
+          </a:p>
+          <a:p>
+            <a:pPr marL="625475" indent="-396875">
+              <a:buClr>
+                <a:srgbClr val="00B404"/>
+              </a:buClr>
+              <a:buFont typeface="Segoe UI Light" pitchFamily="34" charset="0"/>
+              <a:buChar char="■"/>
+            </a:pPr>
+            <a:r>
+              <a:rPr lang="en-US" sz="2000">
+                <a:solidFill>
+                  <a:schemeClr val="tx1">
+                    <a:lumMod val="75000"/>
+                    <a:lumOff val="25000"/>
+                  </a:schemeClr>
+                </a:solidFill>
+                <a:latin typeface="Segoe UI Light" pitchFamily="34" charset="0"/>
+                <a:cs typeface="Segoe UI Light" pitchFamily="34" charset="0"/>
+              </a:rPr>
+              <a:t>3 điện thoại bàn</a:t>
+            </a:r>
+          </a:p>
+          <a:p>
+            <a:pPr marL="625475" indent="-396875">
+              <a:buClr>
+                <a:srgbClr val="00B404"/>
+              </a:buClr>
+              <a:buFont typeface="Segoe UI Light" pitchFamily="34" charset="0"/>
+              <a:buChar char="■"/>
+            </a:pPr>
+            <a:r>
+              <a:rPr lang="en-US" sz="2000">
+                <a:solidFill>
+                  <a:schemeClr val="tx1">
+                    <a:lumMod val="75000"/>
+                    <a:lumOff val="25000"/>
+                  </a:schemeClr>
+                </a:solidFill>
+                <a:latin typeface="Segoe UI Light" pitchFamily="34" charset="0"/>
+                <a:cs typeface="Segoe UI Light" pitchFamily="34" charset="0"/>
+              </a:rPr>
+              <a:t>5 nhân viên kỹ thuật</a:t>
+            </a:r>
+            <a:endParaRPr lang="en-US" sz="2000" dirty="0">
+              <a:solidFill>
+                <a:schemeClr val="tx1">
+                  <a:lumMod val="75000"/>
+                  <a:lumOff val="25000"/>
+                </a:schemeClr>
+              </a:solidFill>
+              <a:latin typeface="Segoe UI Light" pitchFamily="34" charset="0"/>
+              <a:cs typeface="Segoe UI Light" pitchFamily="34" charset="0"/>
+            </a:endParaRPr>
+          </a:p>
+        </p:txBody>
+      </p:sp>
+      <p:sp>
+        <p:nvSpPr>
+          <p:cNvPr id="22" name="TextBox 21"/>
           <p:cNvSpPr txBox="1"/>
           <p:nvPr/>
         </p:nvSpPr>
         <p:spPr>
           <a:xfrm>
-            <a:off x="3048000" y="3276600"/>
-            <a:ext cx="5562600" cy="861774"/>
+            <a:off x="3048000" y="1259919"/>
+            <a:ext cx="5867400" cy="5324535"/>
           </a:xfrm>
           <a:prstGeom prst="rect">
             <a:avLst/>
@@ -7932,54 +7510,17 @@
           <a:lstStyle/>
           <a:p>
             <a:r>
-              <a:rPr lang="en-US" sz="2000" dirty="0" smtClean="0">
-                <a:solidFill>
-                  <a:schemeClr val="tx1">
-                    <a:lumMod val="75000"/>
-                    <a:lumOff val="25000"/>
-                  </a:schemeClr>
-                </a:solidFill>
-                <a:latin typeface="Segoe UI Light" pitchFamily="34" charset="0"/>
-                <a:cs typeface="Segoe UI Light" pitchFamily="34" charset="0"/>
-              </a:rPr>
-              <a:t>Hiện </a:t>
-            </a:r>
-            <a:r>
-              <a:rPr lang="en-US" sz="2000" dirty="0" err="1" smtClean="0">
-                <a:solidFill>
-                  <a:schemeClr val="tx1">
-                    <a:lumMod val="75000"/>
-                    <a:lumOff val="25000"/>
-                  </a:schemeClr>
-                </a:solidFill>
-                <a:latin typeface="Segoe UI Light" pitchFamily="34" charset="0"/>
-                <a:cs typeface="Segoe UI Light" pitchFamily="34" charset="0"/>
-              </a:rPr>
-              <a:t>trạng</a:t>
-            </a:r>
-            <a:r>
-              <a:rPr lang="en-US" sz="2000" dirty="0" smtClean="0">
-                <a:solidFill>
-                  <a:schemeClr val="tx1">
-                    <a:lumMod val="75000"/>
-                    <a:lumOff val="25000"/>
-                  </a:schemeClr>
-                </a:solidFill>
-                <a:latin typeface="Segoe UI Light" pitchFamily="34" charset="0"/>
-                <a:cs typeface="Segoe UI Light" pitchFamily="34" charset="0"/>
-              </a:rPr>
-              <a:t>:</a:t>
-            </a:r>
-            <a:endParaRPr lang="en-US" sz="2000" dirty="0" smtClean="0">
-              <a:solidFill>
-                <a:schemeClr val="tx1">
-                  <a:lumMod val="75000"/>
-                  <a:lumOff val="25000"/>
-                </a:schemeClr>
-              </a:solidFill>
-              <a:latin typeface="Segoe UI Light" pitchFamily="34" charset="0"/>
-              <a:cs typeface="Segoe UI Light" pitchFamily="34" charset="0"/>
-            </a:endParaRPr>
+              <a:rPr lang="en-US" sz="2000">
+                <a:solidFill>
+                  <a:schemeClr val="bg2">
+                    <a:lumMod val="25000"/>
+                  </a:schemeClr>
+                </a:solidFill>
+                <a:latin typeface="Segoe UI Light" pitchFamily="34" charset="0"/>
+                <a:cs typeface="Segoe UI Light" pitchFamily="34" charset="0"/>
+              </a:rPr>
+              <a:t>Hiện trạng:</a:t>
+            </a:r>
           </a:p>
           <a:p>
             <a:pPr marL="625475" indent="-396875">
@@ -7993,144 +7534,163 @@
               <a:buChar char="■"/>
             </a:pPr>
             <a:r>
-              <a:rPr lang="en-US" sz="2000" dirty="0" smtClean="0">
-                <a:solidFill>
-                  <a:schemeClr val="tx1">
-                    <a:lumMod val="75000"/>
-                    <a:lumOff val="25000"/>
-                  </a:schemeClr>
-                </a:solidFill>
-                <a:latin typeface="Segoe UI Light" pitchFamily="34" charset="0"/>
-                <a:cs typeface="Segoe UI Light" pitchFamily="34" charset="0"/>
-              </a:rPr>
-              <a:t>Có </a:t>
-            </a:r>
-            <a:r>
-              <a:rPr lang="en-US" sz="2000" dirty="0" err="1" smtClean="0">
-                <a:solidFill>
-                  <a:schemeClr val="tx1">
-                    <a:lumMod val="75000"/>
-                    <a:lumOff val="25000"/>
-                  </a:schemeClr>
-                </a:solidFill>
-                <a:latin typeface="Segoe UI Light" pitchFamily="34" charset="0"/>
-                <a:cs typeface="Segoe UI Light" pitchFamily="34" charset="0"/>
-              </a:rPr>
-              <a:t>trang</a:t>
-            </a:r>
-            <a:r>
-              <a:rPr lang="en-US" sz="2000" dirty="0" smtClean="0">
-                <a:solidFill>
-                  <a:schemeClr val="tx1">
-                    <a:lumMod val="75000"/>
-                    <a:lumOff val="25000"/>
-                  </a:schemeClr>
-                </a:solidFill>
-                <a:latin typeface="Segoe UI Light" pitchFamily="34" charset="0"/>
-                <a:cs typeface="Segoe UI Light" pitchFamily="34" charset="0"/>
-              </a:rPr>
-              <a:t> web </a:t>
-            </a:r>
-            <a:r>
-              <a:rPr lang="en-US" sz="2000" dirty="0" err="1" smtClean="0">
-                <a:solidFill>
-                  <a:schemeClr val="tx1">
-                    <a:lumMod val="75000"/>
-                    <a:lumOff val="25000"/>
-                  </a:schemeClr>
-                </a:solidFill>
-                <a:latin typeface="Segoe UI Light" pitchFamily="34" charset="0"/>
-                <a:cs typeface="Segoe UI Light" pitchFamily="34" charset="0"/>
-              </a:rPr>
-              <a:t>mã</a:t>
-            </a:r>
-            <a:r>
-              <a:rPr lang="en-US" sz="2000" dirty="0" smtClean="0">
-                <a:solidFill>
-                  <a:schemeClr val="tx1">
-                    <a:lumMod val="75000"/>
-                    <a:lumOff val="25000"/>
-                  </a:schemeClr>
-                </a:solidFill>
-                <a:latin typeface="Segoe UI Light" pitchFamily="34" charset="0"/>
-                <a:cs typeface="Segoe UI Light" pitchFamily="34" charset="0"/>
-              </a:rPr>
-              <a:t> </a:t>
-            </a:r>
-            <a:r>
-              <a:rPr lang="en-US" sz="2000" dirty="0" err="1" smtClean="0">
-                <a:solidFill>
-                  <a:schemeClr val="tx1">
-                    <a:lumMod val="75000"/>
-                    <a:lumOff val="25000"/>
-                  </a:schemeClr>
-                </a:solidFill>
-                <a:latin typeface="Segoe UI Light" pitchFamily="34" charset="0"/>
-                <a:cs typeface="Segoe UI Light" pitchFamily="34" charset="0"/>
-              </a:rPr>
-              <a:t>nguồn</a:t>
-            </a:r>
-            <a:r>
-              <a:rPr lang="en-US" sz="2000" dirty="0" smtClean="0">
-                <a:solidFill>
-                  <a:schemeClr val="tx1">
-                    <a:lumMod val="75000"/>
-                    <a:lumOff val="25000"/>
-                  </a:schemeClr>
-                </a:solidFill>
-                <a:latin typeface="Segoe UI Light" pitchFamily="34" charset="0"/>
-                <a:cs typeface="Segoe UI Light" pitchFamily="34" charset="0"/>
-              </a:rPr>
-              <a:t> </a:t>
-            </a:r>
-            <a:r>
-              <a:rPr lang="en-US" sz="2000" dirty="0" err="1" smtClean="0">
-                <a:solidFill>
-                  <a:schemeClr val="tx1">
-                    <a:lumMod val="75000"/>
-                    <a:lumOff val="25000"/>
-                  </a:schemeClr>
-                </a:solidFill>
-                <a:latin typeface="Segoe UI Light" pitchFamily="34" charset="0"/>
-                <a:cs typeface="Segoe UI Light" pitchFamily="34" charset="0"/>
-              </a:rPr>
-              <a:t>mở</a:t>
-            </a:r>
-            <a:r>
-              <a:rPr lang="en-US" sz="2000" dirty="0" smtClean="0">
-                <a:solidFill>
-                  <a:schemeClr val="tx1">
-                    <a:lumMod val="75000"/>
-                    <a:lumOff val="25000"/>
-                  </a:schemeClr>
-                </a:solidFill>
-                <a:latin typeface="Segoe UI Light" pitchFamily="34" charset="0"/>
-                <a:cs typeface="Segoe UI Light" pitchFamily="34" charset="0"/>
-              </a:rPr>
-              <a:t> </a:t>
-            </a:r>
-            <a:r>
-              <a:rPr lang="en-US" sz="2000" dirty="0" err="1" smtClean="0">
-                <a:solidFill>
-                  <a:schemeClr val="tx1">
-                    <a:lumMod val="75000"/>
-                    <a:lumOff val="25000"/>
-                  </a:schemeClr>
-                </a:solidFill>
-                <a:latin typeface="Segoe UI Light" pitchFamily="34" charset="0"/>
-                <a:cs typeface="Segoe UI Light" pitchFamily="34" charset="0"/>
-              </a:rPr>
-              <a:t>Wordpress</a:t>
-            </a:r>
-            <a:endParaRPr lang="en-US" sz="2000" dirty="0" smtClean="0">
+              <a:rPr lang="en-US" sz="2000">
+                <a:solidFill>
+                  <a:schemeClr val="bg2">
+                    <a:lumMod val="25000"/>
+                  </a:schemeClr>
+                </a:solidFill>
+                <a:latin typeface="Segoe UI Light" pitchFamily="34" charset="0"/>
+                <a:cs typeface="Segoe UI Light" pitchFamily="34" charset="0"/>
+              </a:rPr>
+              <a:t>Khu du lịch hiện tại đang sử dụng website mã nguồn mở Wordpress</a:t>
+            </a:r>
+          </a:p>
+          <a:p>
+            <a:pPr marL="625475" indent="-396875">
+              <a:spcBef>
+                <a:spcPts val="1200"/>
+              </a:spcBef>
+              <a:buClr>
+                <a:srgbClr val="00B404"/>
+              </a:buClr>
+              <a:buFont typeface="Segoe UI Light" pitchFamily="34" charset="0"/>
+              <a:buChar char="■"/>
+            </a:pPr>
+            <a:r>
+              <a:rPr lang="en-US" sz="2000">
+                <a:solidFill>
+                  <a:schemeClr val="bg2">
+                    <a:lumMod val="25000"/>
+                  </a:schemeClr>
+                </a:solidFill>
+                <a:latin typeface="Segoe UI Light" pitchFamily="34" charset="0"/>
+                <a:cs typeface="Segoe UI Light" pitchFamily="34" charset="0"/>
+              </a:rPr>
+              <a:t>Nhóm mình thực hiện đề tài trên ngôn ngữ mới bởi một lý do sau:</a:t>
+            </a:r>
+          </a:p>
+          <a:p>
+            <a:pPr marL="800100" lvl="1" indent="-342900">
+              <a:buFont typeface="Arial" panose="020B0604020202020204" pitchFamily="34" charset="0"/>
+              <a:buChar char="•"/>
+            </a:pPr>
+            <a:r>
+              <a:rPr lang="vi-VN" sz="2000">
+                <a:solidFill>
+                  <a:schemeClr val="bg2">
+                    <a:lumMod val="25000"/>
+                  </a:schemeClr>
+                </a:solidFill>
+                <a:latin typeface="Segoe UI Light" panose="020B0502040204020203" pitchFamily="34" charset="0"/>
+                <a:cs typeface="Segoe UI Light" panose="020B0502040204020203" pitchFamily="34" charset="0"/>
+              </a:rPr>
+              <a:t>Dùng mô hình MVC để chia ứng dụng ASP.NET MVC ra làm 3 phần chính là Model, View, và Controller điều này làm cho việc phát triển các ứng dụng lớn có độ phức tạp cao được dễ dàng hơn và dễ bào trì hơn.</a:t>
+            </a:r>
+            <a:endParaRPr lang="en-US" sz="2000">
               <a:solidFill>
-                <a:schemeClr val="tx1">
-                  <a:lumMod val="75000"/>
-                  <a:lumOff val="25000"/>
+                <a:schemeClr val="bg2">
+                  <a:lumMod val="25000"/>
+                </a:schemeClr>
+              </a:solidFill>
+              <a:latin typeface="Segoe UI Light" panose="020B0502040204020203" pitchFamily="34" charset="0"/>
+              <a:cs typeface="Segoe UI Light" panose="020B0502040204020203" pitchFamily="34" charset="0"/>
+            </a:endParaRPr>
+          </a:p>
+          <a:p>
+            <a:pPr marL="800100" lvl="1" indent="-342900">
+              <a:buFont typeface="Arial" panose="020B0604020202020204" pitchFamily="34" charset="0"/>
+              <a:buChar char="•"/>
+            </a:pPr>
+            <a:r>
+              <a:rPr lang="vi-VN" sz="2000">
+                <a:solidFill>
+                  <a:schemeClr val="bg2">
+                    <a:lumMod val="25000"/>
+                  </a:schemeClr>
+                </a:solidFill>
+                <a:latin typeface="Segoe UI Light" panose="020B0502040204020203" pitchFamily="34" charset="0"/>
+                <a:cs typeface="Segoe UI Light" panose="020B0502040204020203" pitchFamily="34" charset="0"/>
+              </a:rPr>
+              <a:t>Việc kiểm tra rà soát lỗi của phần mềm trước khi nó đến tay người sử dụng cũng dễ dàng hơn rất nhiều với mô hình MVC</a:t>
+            </a:r>
+            <a:endParaRPr lang="en-US" sz="2000">
+              <a:solidFill>
+                <a:schemeClr val="bg2">
+                  <a:lumMod val="25000"/>
                 </a:schemeClr>
               </a:solidFill>
               <a:latin typeface="Segoe UI Light" pitchFamily="34" charset="0"/>
               <a:cs typeface="Segoe UI Light" pitchFamily="34" charset="0"/>
+            </a:endParaRPr>
+          </a:p>
+          <a:p>
+            <a:pPr marL="800100" lvl="1" indent="-342900">
+              <a:buFont typeface="Arial" panose="020B0604020202020204" pitchFamily="34" charset="0"/>
+              <a:buChar char="•"/>
+            </a:pPr>
+            <a:r>
+              <a:rPr lang="en-US" sz="2000">
+                <a:solidFill>
+                  <a:schemeClr val="bg2">
+                    <a:lumMod val="25000"/>
+                  </a:schemeClr>
+                </a:solidFill>
+                <a:latin typeface="Segoe UI Light" pitchFamily="34" charset="0"/>
+                <a:cs typeface="Segoe UI Light" pitchFamily="34" charset="0"/>
+              </a:rPr>
+              <a:t>Làm giảm băng thông request đến server</a:t>
+            </a:r>
+          </a:p>
+          <a:p>
+            <a:pPr marL="800100" lvl="1" indent="-342900">
+              <a:buFont typeface="Arial" panose="020B0604020202020204" pitchFamily="34" charset="0"/>
+              <a:buChar char="•"/>
+            </a:pPr>
+            <a:r>
+              <a:rPr lang="vi-VN" sz="2000">
+                <a:solidFill>
+                  <a:schemeClr val="bg2">
+                    <a:lumMod val="25000"/>
+                  </a:schemeClr>
+                </a:solidFill>
+                <a:latin typeface="Segoe UI Light" panose="020B0502040204020203" pitchFamily="34" charset="0"/>
+                <a:cs typeface="Segoe UI Light" panose="020B0502040204020203" pitchFamily="34" charset="0"/>
+              </a:rPr>
+              <a:t>Cơ chế định tuyến URL giúp đỡ cho việc tối ưu hóa công cụ tìm kiếm (Google, Bing</a:t>
+            </a:r>
+            <a:r>
+              <a:rPr lang="vi-VN" sz="2000">
+                <a:solidFill>
+                  <a:schemeClr val="bg2">
+                    <a:lumMod val="25000"/>
+                  </a:schemeClr>
+                </a:solidFill>
+                <a:latin typeface="Segoe UI Light" panose="020B0502040204020203" pitchFamily="34" charset="0"/>
+                <a:cs typeface="Segoe UI Light" panose="020B0502040204020203" pitchFamily="34" charset="0"/>
+              </a:rPr>
+              <a:t>, </a:t>
+            </a:r>
+            <a:r>
+              <a:rPr lang="vi-VN" sz="2000" smtClean="0">
+                <a:solidFill>
+                  <a:schemeClr val="bg2">
+                    <a:lumMod val="25000"/>
+                  </a:schemeClr>
+                </a:solidFill>
+                <a:latin typeface="Segoe UI Light" panose="020B0502040204020203" pitchFamily="34" charset="0"/>
+                <a:cs typeface="Segoe UI Light" panose="020B0502040204020203" pitchFamily="34" charset="0"/>
+              </a:rPr>
+              <a:t>…)</a:t>
+            </a:r>
+            <a:endParaRPr lang="vi-VN" sz="2000">
+              <a:solidFill>
+                <a:schemeClr val="bg2">
+                  <a:lumMod val="25000"/>
+                </a:schemeClr>
+              </a:solidFill>
+              <a:latin typeface="Segoe UI Light" panose="020B0502040204020203" pitchFamily="34" charset="0"/>
+              <a:cs typeface="Segoe UI Light" panose="020B0502040204020203" pitchFamily="34" charset="0"/>
             </a:endParaRPr>
           </a:p>
         </p:txBody>
@@ -8185,7 +7745,7 @@
                                           </p:stCondLst>
                                         </p:cTn>
                                         <p:tgtEl>
-                                          <p:spTgt spid="18"/>
+                                          <p:spTgt spid="8"/>
                                         </p:tgtEl>
                                         <p:attrNameLst>
                                           <p:attrName>style.visibility</p:attrName>
@@ -8199,7 +7759,7 @@
                                       <p:cBhvr>
                                         <p:cTn id="7" dur="1000"/>
                                         <p:tgtEl>
-                                          <p:spTgt spid="18"/>
+                                          <p:spTgt spid="8"/>
                                         </p:tgtEl>
                                       </p:cBhvr>
                                     </p:animEffect>
@@ -8207,7 +7767,7 @@
                                       <p:cBhvr>
                                         <p:cTn id="8" dur="1000" fill="hold"/>
                                         <p:tgtEl>
-                                          <p:spTgt spid="18"/>
+                                          <p:spTgt spid="8"/>
                                         </p:tgtEl>
                                         <p:attrNameLst>
                                           <p:attrName>ppt_x</p:attrName>
@@ -8230,7 +7790,7 @@
                                       <p:cBhvr>
                                         <p:cTn id="9" dur="1000" fill="hold"/>
                                         <p:tgtEl>
-                                          <p:spTgt spid="18"/>
+                                          <p:spTgt spid="8"/>
                                         </p:tgtEl>
                                         <p:attrNameLst>
                                           <p:attrName>ppt_y</p:attrName>
@@ -8252,21 +7812,120 @@
                                   </p:childTnLst>
                                 </p:cTn>
                               </p:par>
+                            </p:childTnLst>
+                          </p:cTn>
+                        </p:par>
+                      </p:childTnLst>
+                    </p:cTn>
+                  </p:par>
+                  <p:par>
+                    <p:cTn id="10" fill="hold">
+                      <p:stCondLst>
+                        <p:cond delay="indefinite"/>
+                      </p:stCondLst>
+                      <p:childTnLst>
+                        <p:par>
+                          <p:cTn id="11" fill="hold">
+                            <p:stCondLst>
+                              <p:cond delay="0"/>
+                            </p:stCondLst>
+                            <p:childTnLst>
                               <p:par>
-                                <p:cTn id="10" presetID="42" presetClass="entr" presetSubtype="0" fill="hold" grpId="0" nodeType="withEffect">
+                                <p:cTn id="12" presetID="42" presetClass="exit" presetSubtype="0" fill="hold" grpId="1" nodeType="clickEffect">
+                                  <p:stCondLst>
+                                    <p:cond delay="0"/>
+                                  </p:stCondLst>
+                                  <p:childTnLst>
+                                    <p:animEffect transition="out" filter="fade">
+                                      <p:cBhvr>
+                                        <p:cTn id="13" dur="1000"/>
+                                        <p:tgtEl>
+                                          <p:spTgt spid="8"/>
+                                        </p:tgtEl>
+                                      </p:cBhvr>
+                                    </p:animEffect>
+                                    <p:anim calcmode="lin" valueType="num">
+                                      <p:cBhvr>
+                                        <p:cTn id="14" dur="1000"/>
+                                        <p:tgtEl>
+                                          <p:spTgt spid="8"/>
+                                        </p:tgtEl>
+                                        <p:attrNameLst>
+                                          <p:attrName>ppt_x</p:attrName>
+                                        </p:attrNameLst>
+                                      </p:cBhvr>
+                                      <p:tavLst>
+                                        <p:tav tm="0">
+                                          <p:val>
+                                            <p:strVal val="ppt_x"/>
+                                          </p:val>
+                                        </p:tav>
+                                        <p:tav tm="100000">
+                                          <p:val>
+                                            <p:strVal val="ppt_x"/>
+                                          </p:val>
+                                        </p:tav>
+                                      </p:tavLst>
+                                    </p:anim>
+                                    <p:anim calcmode="lin" valueType="num">
+                                      <p:cBhvr>
+                                        <p:cTn id="15" dur="1000"/>
+                                        <p:tgtEl>
+                                          <p:spTgt spid="8"/>
+                                        </p:tgtEl>
+                                        <p:attrNameLst>
+                                          <p:attrName>ppt_y</p:attrName>
+                                        </p:attrNameLst>
+                                      </p:cBhvr>
+                                      <p:tavLst>
+                                        <p:tav tm="0">
+                                          <p:val>
+                                            <p:strVal val="ppt_y"/>
+                                          </p:val>
+                                        </p:tav>
+                                        <p:tav tm="100000">
+                                          <p:val>
+                                            <p:strVal val="ppt_y+.1"/>
+                                          </p:val>
+                                        </p:tav>
+                                      </p:tavLst>
+                                    </p:anim>
+                                    <p:set>
+                                      <p:cBhvr>
+                                        <p:cTn id="16" dur="1" fill="hold">
+                                          <p:stCondLst>
+                                            <p:cond delay="999"/>
+                                          </p:stCondLst>
+                                        </p:cTn>
+                                        <p:tgtEl>
+                                          <p:spTgt spid="8"/>
+                                        </p:tgtEl>
+                                        <p:attrNameLst>
+                                          <p:attrName>style.visibility</p:attrName>
+                                        </p:attrNameLst>
+                                      </p:cBhvr>
+                                      <p:to>
+                                        <p:strVal val="hidden"/>
+                                      </p:to>
+                                    </p:set>
+                                  </p:childTnLst>
+                                </p:cTn>
+                              </p:par>
+                              <p:par>
+                                <p:cTn id="17" presetID="42" presetClass="entr" presetSubtype="0" fill="hold" grpId="0" nodeType="withEffect">
                                   <p:stCondLst>
                                     <p:cond delay="0"/>
                                   </p:stCondLst>
                                   <p:childTnLst>
                                     <p:set>
                                       <p:cBhvr>
-                                        <p:cTn id="11" dur="1" fill="hold">
+                                        <p:cTn id="18" dur="1" fill="hold">
                                           <p:stCondLst>
                                             <p:cond delay="0"/>
                                           </p:stCondLst>
                                         </p:cTn>
                                         <p:tgtEl>
-                                          <p:spTgt spid="21"/>
+                                          <p:spTgt spid="22"/>
                                         </p:tgtEl>
                                         <p:attrNameLst>
                                           <p:attrName>style.visibility</p:attrName>
@@ -8278,17 +7937,17 @@
                                     </p:set>
                                     <p:animEffect transition="in" filter="fade">
                                       <p:cBhvr>
-                                        <p:cTn id="12" dur="1000"/>
+                                        <p:cTn id="19" dur="1000"/>
                                         <p:tgtEl>
-                                          <p:spTgt spid="21"/>
+                                          <p:spTgt spid="22"/>
                                         </p:tgtEl>
                                       </p:cBhvr>
                                     </p:animEffect>
                                     <p:anim calcmode="lin" valueType="num">
                                       <p:cBhvr>
-                                        <p:cTn id="13" dur="1000" fill="hold"/>
+                                        <p:cTn id="20" dur="1000" fill="hold"/>
                                         <p:tgtEl>
-                                          <p:spTgt spid="21"/>
+                                          <p:spTgt spid="22"/>
                                         </p:tgtEl>
                                         <p:attrNameLst>
                                           <p:attrName>ppt_x</p:attrName>
@@ -8309,9 +7968,9 @@
                                     </p:anim>
                                     <p:anim calcmode="lin" valueType="num">
                                       <p:cBhvr>
-                                        <p:cTn id="14" dur="1000" fill="hold"/>
+                                        <p:cTn id="21" dur="1000" fill="hold"/>
                                         <p:tgtEl>
-                                          <p:spTgt spid="21"/>
+                                          <p:spTgt spid="22"/>
                                         </p:tgtEl>
                                         <p:attrNameLst>
                                           <p:attrName>ppt_y</p:attrName>
@@ -8361,8 +8020,9 @@
       </p:par>
     </p:tnLst>
     <p:bldLst>
-      <p:bldP spid="18" grpId="0"/>
-      <p:bldP spid="21" grpId="0"/>
+      <p:bldP spid="8" grpId="0"/>
+      <p:bldP spid="8" grpId="1"/>
+      <p:bldP spid="22" grpId="0"/>
     </p:bldLst>
   </p:timing>
 </p:sld>
@@ -12838,20 +12498,24 @@
         <p:spPr>
           <a:xfrm>
             <a:off x="3048000" y="1143000"/>
-            <a:ext cx="4572000" cy="4093428"/>
+            <a:ext cx="5638800" cy="3785652"/>
           </a:xfrm>
           <a:prstGeom prst="rect">
             <a:avLst/>
           </a:prstGeom>
         </p:spPr>
         <p:txBody>
-          <a:bodyPr>
+          <a:bodyPr wrap="square">
             <a:spAutoFit/>
           </a:bodyPr>
           <a:lstStyle/>
           <a:p>
-            <a:r>
-              <a:rPr lang="en-US" sz="2000" dirty="0" smtClean="0">
+            <a:pPr marL="342900" indent="-342900">
+              <a:buFont typeface="Arial" panose="020B0604020202020204" pitchFamily="34" charset="0"/>
+              <a:buChar char="•"/>
+            </a:pPr>
+            <a:r>
+              <a:rPr lang="en-US" sz="2000" smtClean="0">
                 <a:solidFill>
                   <a:schemeClr val="tx1">
                     <a:lumMod val="75000"/>
@@ -12861,7 +12525,7 @@
                 <a:latin typeface="Segoe UI Light" panose="020B0502040204020203" pitchFamily="34" charset="0"/>
                 <a:cs typeface="Segoe UI Light" panose="020B0502040204020203" pitchFamily="34" charset="0"/>
               </a:rPr>
-              <a:t>- </a:t>
+              <a:t> </a:t>
             </a:r>
             <a:r>
               <a:rPr lang="en-US" sz="2000" dirty="0" err="1" smtClean="0">
@@ -13879,8 +13543,12 @@
             </a:r>
           </a:p>
           <a:p>
-            <a:r>
-              <a:rPr lang="en-US" sz="2000" dirty="0" smtClean="0">
+            <a:pPr marL="342900" indent="-342900">
+              <a:buFont typeface="Arial" panose="020B0604020202020204" pitchFamily="34" charset="0"/>
+              <a:buChar char="•"/>
+            </a:pPr>
+            <a:r>
+              <a:rPr lang="en-US" sz="2000" smtClean="0">
                 <a:solidFill>
                   <a:schemeClr val="tx1">
                     <a:lumMod val="75000"/>
@@ -13890,7 +13558,7 @@
                 <a:latin typeface="Segoe UI Light" panose="020B0502040204020203" pitchFamily="34" charset="0"/>
                 <a:cs typeface="Segoe UI Light" panose="020B0502040204020203" pitchFamily="34" charset="0"/>
               </a:rPr>
-              <a:t>- </a:t>
+              <a:t> </a:t>
             </a:r>
             <a:r>
               <a:rPr lang="en-US" sz="2000" dirty="0" err="1" smtClean="0">
@@ -14215,20 +13883,7 @@
                 <a:latin typeface="Segoe UI Light" panose="020B0502040204020203" pitchFamily="34" charset="0"/>
                 <a:cs typeface="Segoe UI Light" panose="020B0502040204020203" pitchFamily="34" charset="0"/>
               </a:rPr>
-              <a:t> </a:t>
-            </a:r>
-            <a:r>
-              <a:rPr lang="en-US" sz="2000" dirty="0" smtClean="0">
-                <a:solidFill>
-                  <a:schemeClr val="tx1">
-                    <a:lumMod val="75000"/>
-                    <a:lumOff val="25000"/>
-                  </a:schemeClr>
-                </a:solidFill>
-                <a:latin typeface="Segoe UI Light" panose="020B0502040204020203" pitchFamily="34" charset="0"/>
-                <a:cs typeface="Segoe UI Light" panose="020B0502040204020203" pitchFamily="34" charset="0"/>
-              </a:rPr>
-              <a:t>du </a:t>
+              <a:t> du </a:t>
             </a:r>
             <a:r>
               <a:rPr lang="en-US" sz="2000" dirty="0" err="1" smtClean="0">

--- a/BaoCao/BaoCaov1.pptx
+++ b/BaoCao/BaoCaov1.pptx
@@ -5167,7 +5167,7 @@
         <p:spPr>
           <a:xfrm>
             <a:off x="3048001" y="1130538"/>
-            <a:ext cx="5791199" cy="4965462"/>
+            <a:ext cx="5791199" cy="2246769"/>
           </a:xfrm>
           <a:prstGeom prst="rect">
             <a:avLst/>
@@ -5201,51 +5201,19 @@
           <a:p>
             <a:pPr lvl="1" algn="just"/>
             <a:r>
-              <a:rPr lang="en-US" dirty="0"/>
-              <a:t>Đ</a:t>
+              <a:rPr lang="vi-VN" dirty="0" smtClean="0"/>
+              <a:t>Du </a:t>
             </a:r>
             <a:r>
               <a:rPr lang="vi-VN" dirty="0"/>
-              <a:t>ời sống con người ngày càng nâng cao, nhu cầu về giải trí, thư giãn trở thành một nhu cầu cần thiết. Sự phát triển của các ngành nghề du lịch trong những năm gần đây đã khẳng định cho điều đó.</a:t>
-            </a:r>
-            <a:endParaRPr lang="en-US" dirty="0"/>
-          </a:p>
-          <a:p>
-            <a:pPr lvl="1" algn="just"/>
-            <a:r>
-              <a:rPr lang="vi-VN" dirty="0"/>
-              <a:t>Du lịch Đà Lạt luôn là điểm đến thu hút nhiều du khách không chỉ bởi khí hậu mà còn là quang cảnh thiên nhiên tuyệt vời.Trong số các cảnh đẹp của Đà Lạt, Thung lũng Tình yêu là một trong những thắng cảnh Du lịch nổi tiếng đã đi vào tiềm thức của mỗi người dân cũng như các du khách từ mọi miền đất nước.</a:t>
-            </a:r>
-            <a:endParaRPr lang="en-US" dirty="0"/>
-          </a:p>
-          <a:p>
-            <a:pPr lvl="1" algn="just"/>
-            <a:r>
-              <a:rPr lang="vi-VN" dirty="0"/>
-              <a:t>Do vậy, </a:t>
-            </a:r>
-            <a:r>
-              <a:rPr lang="vi-VN"/>
-              <a:t>nhóm </a:t>
-            </a:r>
-            <a:r>
-              <a:rPr lang="vi-VN" smtClean="0"/>
-              <a:t>mình </a:t>
-            </a:r>
-            <a:r>
-              <a:rPr lang="vi-VN" dirty="0"/>
-              <a:t>quyết định thực hiện đề tài này với mong muốn đưa đến nhiều sự lựa chọn hơn cho khách hàng, và phát triển </a:t>
-            </a:r>
-            <a:r>
-              <a:rPr lang="en-US" dirty="0"/>
-              <a:t>du lịch</a:t>
-            </a:r>
-            <a:r>
-              <a:rPr lang="vi-VN" dirty="0"/>
-              <a:t> trên quy mô lớn hơn</a:t>
+              <a:t>lịch Đà Lạt luôn là điểm đến thu hút nhiều du khách không chỉ bởi khí hậu mà còn là quang cảnh thiên nhiên tuyệt vời.Trong số các cảnh đẹp của Đà Lạt, Thung lũng Tình yêu là một trong những thắng cảnh Du lịch nổi tiếng đã đi vào tiềm thức của mỗi người dân cũng như các du khách từ mọi miền đất </a:t>
             </a:r>
             <a:r>
               <a:rPr lang="vi-VN" dirty="0" smtClean="0"/>
+              <a:t>nước</a:t>
+            </a:r>
+            <a:r>
+              <a:rPr lang="en-US" smtClean="0"/>
               <a:t>.</a:t>
             </a:r>
             <a:endParaRPr lang="en-US" dirty="0"/>
@@ -7510,7 +7478,7 @@
           <a:lstStyle/>
           <a:p>
             <a:r>
-              <a:rPr lang="en-US" sz="2000">
+              <a:rPr lang="en-US" sz="2000" dirty="0">
                 <a:solidFill>
                   <a:schemeClr val="bg2">
                     <a:lumMod val="25000"/>
@@ -7519,7 +7487,31 @@
                 <a:latin typeface="Segoe UI Light" pitchFamily="34" charset="0"/>
                 <a:cs typeface="Segoe UI Light" pitchFamily="34" charset="0"/>
               </a:rPr>
-              <a:t>Hiện trạng:</a:t>
+              <a:t>Hiện </a:t>
+            </a:r>
+            <a:r>
+              <a:rPr lang="en-US" sz="2000" dirty="0" err="1">
+                <a:solidFill>
+                  <a:schemeClr val="bg2">
+                    <a:lumMod val="25000"/>
+                  </a:schemeClr>
+                </a:solidFill>
+                <a:latin typeface="Segoe UI Light" pitchFamily="34" charset="0"/>
+                <a:cs typeface="Segoe UI Light" pitchFamily="34" charset="0"/>
+              </a:rPr>
+              <a:t>trạng</a:t>
+            </a:r>
+            <a:r>
+              <a:rPr lang="en-US" sz="2000" dirty="0">
+                <a:solidFill>
+                  <a:schemeClr val="bg2">
+                    <a:lumMod val="25000"/>
+                  </a:schemeClr>
+                </a:solidFill>
+                <a:latin typeface="Segoe UI Light" pitchFamily="34" charset="0"/>
+                <a:cs typeface="Segoe UI Light" pitchFamily="34" charset="0"/>
+              </a:rPr>
+              <a:t>:</a:t>
             </a:r>
           </a:p>
           <a:p>
@@ -7534,7 +7526,7 @@
               <a:buChar char="■"/>
             </a:pPr>
             <a:r>
-              <a:rPr lang="en-US" sz="2000">
+              <a:rPr lang="en-US" sz="2000" dirty="0" err="1">
                 <a:solidFill>
                   <a:schemeClr val="bg2">
                     <a:lumMod val="25000"/>
@@ -7543,8 +7535,257 @@
                 <a:latin typeface="Segoe UI Light" pitchFamily="34" charset="0"/>
                 <a:cs typeface="Segoe UI Light" pitchFamily="34" charset="0"/>
               </a:rPr>
-              <a:t>Khu du lịch hiện tại đang sử dụng website mã nguồn mở Wordpress</a:t>
-            </a:r>
+              <a:t>Khu</a:t>
+            </a:r>
+            <a:r>
+              <a:rPr lang="en-US" sz="2000" dirty="0">
+                <a:solidFill>
+                  <a:schemeClr val="bg2">
+                    <a:lumMod val="25000"/>
+                  </a:schemeClr>
+                </a:solidFill>
+                <a:latin typeface="Segoe UI Light" pitchFamily="34" charset="0"/>
+                <a:cs typeface="Segoe UI Light" pitchFamily="34" charset="0"/>
+              </a:rPr>
+              <a:t> du </a:t>
+            </a:r>
+            <a:r>
+              <a:rPr lang="en-US" sz="2000" dirty="0" err="1">
+                <a:solidFill>
+                  <a:schemeClr val="bg2">
+                    <a:lumMod val="25000"/>
+                  </a:schemeClr>
+                </a:solidFill>
+                <a:latin typeface="Segoe UI Light" pitchFamily="34" charset="0"/>
+                <a:cs typeface="Segoe UI Light" pitchFamily="34" charset="0"/>
+              </a:rPr>
+              <a:t>lịch</a:t>
+            </a:r>
+            <a:r>
+              <a:rPr lang="en-US" sz="2000" dirty="0">
+                <a:solidFill>
+                  <a:schemeClr val="bg2">
+                    <a:lumMod val="25000"/>
+                  </a:schemeClr>
+                </a:solidFill>
+                <a:latin typeface="Segoe UI Light" pitchFamily="34" charset="0"/>
+                <a:cs typeface="Segoe UI Light" pitchFamily="34" charset="0"/>
+              </a:rPr>
+              <a:t> </a:t>
+            </a:r>
+            <a:r>
+              <a:rPr lang="en-US" sz="2000" dirty="0" err="1">
+                <a:solidFill>
+                  <a:schemeClr val="bg2">
+                    <a:lumMod val="25000"/>
+                  </a:schemeClr>
+                </a:solidFill>
+                <a:latin typeface="Segoe UI Light" pitchFamily="34" charset="0"/>
+                <a:cs typeface="Segoe UI Light" pitchFamily="34" charset="0"/>
+              </a:rPr>
+              <a:t>hiện</a:t>
+            </a:r>
+            <a:r>
+              <a:rPr lang="en-US" sz="2000" dirty="0">
+                <a:solidFill>
+                  <a:schemeClr val="bg2">
+                    <a:lumMod val="25000"/>
+                  </a:schemeClr>
+                </a:solidFill>
+                <a:latin typeface="Segoe UI Light" pitchFamily="34" charset="0"/>
+                <a:cs typeface="Segoe UI Light" pitchFamily="34" charset="0"/>
+              </a:rPr>
+              <a:t> </a:t>
+            </a:r>
+            <a:r>
+              <a:rPr lang="en-US" sz="2000" dirty="0" err="1">
+                <a:solidFill>
+                  <a:schemeClr val="bg2">
+                    <a:lumMod val="25000"/>
+                  </a:schemeClr>
+                </a:solidFill>
+                <a:latin typeface="Segoe UI Light" pitchFamily="34" charset="0"/>
+                <a:cs typeface="Segoe UI Light" pitchFamily="34" charset="0"/>
+              </a:rPr>
+              <a:t>tại</a:t>
+            </a:r>
+            <a:r>
+              <a:rPr lang="en-US" sz="2000" dirty="0">
+                <a:solidFill>
+                  <a:schemeClr val="bg2">
+                    <a:lumMod val="25000"/>
+                  </a:schemeClr>
+                </a:solidFill>
+                <a:latin typeface="Segoe UI Light" pitchFamily="34" charset="0"/>
+                <a:cs typeface="Segoe UI Light" pitchFamily="34" charset="0"/>
+              </a:rPr>
+              <a:t> </a:t>
+            </a:r>
+            <a:r>
+              <a:rPr lang="en-US" sz="2000" dirty="0" err="1">
+                <a:solidFill>
+                  <a:schemeClr val="bg2">
+                    <a:lumMod val="25000"/>
+                  </a:schemeClr>
+                </a:solidFill>
+                <a:latin typeface="Segoe UI Light" pitchFamily="34" charset="0"/>
+                <a:cs typeface="Segoe UI Light" pitchFamily="34" charset="0"/>
+              </a:rPr>
+              <a:t>đang</a:t>
+            </a:r>
+            <a:r>
+              <a:rPr lang="en-US" sz="2000" dirty="0">
+                <a:solidFill>
+                  <a:schemeClr val="bg2">
+                    <a:lumMod val="25000"/>
+                  </a:schemeClr>
+                </a:solidFill>
+                <a:latin typeface="Segoe UI Light" pitchFamily="34" charset="0"/>
+                <a:cs typeface="Segoe UI Light" pitchFamily="34" charset="0"/>
+              </a:rPr>
+              <a:t> </a:t>
+            </a:r>
+            <a:r>
+              <a:rPr lang="en-US" sz="2000" dirty="0" err="1">
+                <a:solidFill>
+                  <a:schemeClr val="bg2">
+                    <a:lumMod val="25000"/>
+                  </a:schemeClr>
+                </a:solidFill>
+                <a:latin typeface="Segoe UI Light" pitchFamily="34" charset="0"/>
+                <a:cs typeface="Segoe UI Light" pitchFamily="34" charset="0"/>
+              </a:rPr>
+              <a:t>sử</a:t>
+            </a:r>
+            <a:r>
+              <a:rPr lang="en-US" sz="2000" dirty="0">
+                <a:solidFill>
+                  <a:schemeClr val="bg2">
+                    <a:lumMod val="25000"/>
+                  </a:schemeClr>
+                </a:solidFill>
+                <a:latin typeface="Segoe UI Light" pitchFamily="34" charset="0"/>
+                <a:cs typeface="Segoe UI Light" pitchFamily="34" charset="0"/>
+              </a:rPr>
+              <a:t> </a:t>
+            </a:r>
+            <a:r>
+              <a:rPr lang="en-US" sz="2000" dirty="0" err="1">
+                <a:solidFill>
+                  <a:schemeClr val="bg2">
+                    <a:lumMod val="25000"/>
+                  </a:schemeClr>
+                </a:solidFill>
+                <a:latin typeface="Segoe UI Light" pitchFamily="34" charset="0"/>
+                <a:cs typeface="Segoe UI Light" pitchFamily="34" charset="0"/>
+              </a:rPr>
+              <a:t>dụng</a:t>
+            </a:r>
+            <a:r>
+              <a:rPr lang="en-US" sz="2000" dirty="0">
+                <a:solidFill>
+                  <a:schemeClr val="bg2">
+                    <a:lumMod val="25000"/>
+                  </a:schemeClr>
+                </a:solidFill>
+                <a:latin typeface="Segoe UI Light" pitchFamily="34" charset="0"/>
+                <a:cs typeface="Segoe UI Light" pitchFamily="34" charset="0"/>
+              </a:rPr>
+              <a:t> website </a:t>
+            </a:r>
+            <a:r>
+              <a:rPr lang="en-US" sz="2000" dirty="0" err="1">
+                <a:solidFill>
+                  <a:schemeClr val="bg2">
+                    <a:lumMod val="25000"/>
+                  </a:schemeClr>
+                </a:solidFill>
+                <a:latin typeface="Segoe UI Light" pitchFamily="34" charset="0"/>
+                <a:cs typeface="Segoe UI Light" pitchFamily="34" charset="0"/>
+              </a:rPr>
+              <a:t>mã</a:t>
+            </a:r>
+            <a:r>
+              <a:rPr lang="en-US" sz="2000" dirty="0">
+                <a:solidFill>
+                  <a:schemeClr val="bg2">
+                    <a:lumMod val="25000"/>
+                  </a:schemeClr>
+                </a:solidFill>
+                <a:latin typeface="Segoe UI Light" pitchFamily="34" charset="0"/>
+                <a:cs typeface="Segoe UI Light" pitchFamily="34" charset="0"/>
+              </a:rPr>
+              <a:t> </a:t>
+            </a:r>
+            <a:r>
+              <a:rPr lang="en-US" sz="2000" dirty="0" err="1">
+                <a:solidFill>
+                  <a:schemeClr val="bg2">
+                    <a:lumMod val="25000"/>
+                  </a:schemeClr>
+                </a:solidFill>
+                <a:latin typeface="Segoe UI Light" pitchFamily="34" charset="0"/>
+                <a:cs typeface="Segoe UI Light" pitchFamily="34" charset="0"/>
+              </a:rPr>
+              <a:t>nguồn</a:t>
+            </a:r>
+            <a:r>
+              <a:rPr lang="en-US" sz="2000" dirty="0">
+                <a:solidFill>
+                  <a:schemeClr val="bg2">
+                    <a:lumMod val="25000"/>
+                  </a:schemeClr>
+                </a:solidFill>
+                <a:latin typeface="Segoe UI Light" pitchFamily="34" charset="0"/>
+                <a:cs typeface="Segoe UI Light" pitchFamily="34" charset="0"/>
+              </a:rPr>
+              <a:t> </a:t>
+            </a:r>
+            <a:r>
+              <a:rPr lang="en-US" sz="2000" dirty="0" err="1">
+                <a:solidFill>
+                  <a:schemeClr val="bg2">
+                    <a:lumMod val="25000"/>
+                  </a:schemeClr>
+                </a:solidFill>
+                <a:latin typeface="Segoe UI Light" pitchFamily="34" charset="0"/>
+                <a:cs typeface="Segoe UI Light" pitchFamily="34" charset="0"/>
+              </a:rPr>
+              <a:t>mở</a:t>
+            </a:r>
+            <a:r>
+              <a:rPr lang="en-US" sz="2000" dirty="0">
+                <a:solidFill>
+                  <a:schemeClr val="bg2">
+                    <a:lumMod val="25000"/>
+                  </a:schemeClr>
+                </a:solidFill>
+                <a:latin typeface="Segoe UI Light" pitchFamily="34" charset="0"/>
+                <a:cs typeface="Segoe UI Light" pitchFamily="34" charset="0"/>
+              </a:rPr>
+              <a:t> </a:t>
+            </a:r>
+            <a:r>
+              <a:rPr lang="en-US" sz="2000" dirty="0" err="1">
+                <a:solidFill>
+                  <a:schemeClr val="bg2">
+                    <a:lumMod val="25000"/>
+                  </a:schemeClr>
+                </a:solidFill>
+                <a:latin typeface="Segoe UI Light" pitchFamily="34" charset="0"/>
+                <a:cs typeface="Segoe UI Light" pitchFamily="34" charset="0"/>
+              </a:rPr>
+              <a:t>Wordpress</a:t>
+            </a:r>
+            <a:endParaRPr lang="en-US" sz="2000" dirty="0">
+              <a:solidFill>
+                <a:schemeClr val="bg2">
+                  <a:lumMod val="25000"/>
+                </a:schemeClr>
+              </a:solidFill>
+              <a:latin typeface="Segoe UI Light" pitchFamily="34" charset="0"/>
+              <a:cs typeface="Segoe UI Light" pitchFamily="34" charset="0"/>
+            </a:endParaRPr>
           </a:p>
           <a:p>
             <a:pPr marL="625475" indent="-396875">
@@ -7558,7 +7799,7 @@
               <a:buChar char="■"/>
             </a:pPr>
             <a:r>
-              <a:rPr lang="en-US" sz="2000">
+              <a:rPr lang="en-US" sz="2000" dirty="0" err="1">
                 <a:solidFill>
                   <a:schemeClr val="bg2">
                     <a:lumMod val="25000"/>
@@ -7567,7 +7808,331 @@
                 <a:latin typeface="Segoe UI Light" pitchFamily="34" charset="0"/>
                 <a:cs typeface="Segoe UI Light" pitchFamily="34" charset="0"/>
               </a:rPr>
-              <a:t>Nhóm mình thực hiện đề tài trên ngôn ngữ mới bởi một lý do sau:</a:t>
+              <a:t>Nhóm</a:t>
+            </a:r>
+            <a:r>
+              <a:rPr lang="en-US" sz="2000" dirty="0">
+                <a:solidFill>
+                  <a:schemeClr val="bg2">
+                    <a:lumMod val="25000"/>
+                  </a:schemeClr>
+                </a:solidFill>
+                <a:latin typeface="Segoe UI Light" pitchFamily="34" charset="0"/>
+                <a:cs typeface="Segoe UI Light" pitchFamily="34" charset="0"/>
+              </a:rPr>
+              <a:t> </a:t>
+            </a:r>
+            <a:r>
+              <a:rPr lang="en-US" sz="2000" dirty="0" err="1">
+                <a:solidFill>
+                  <a:schemeClr val="bg2">
+                    <a:lumMod val="25000"/>
+                  </a:schemeClr>
+                </a:solidFill>
+                <a:latin typeface="Segoe UI Light" pitchFamily="34" charset="0"/>
+                <a:cs typeface="Segoe UI Light" pitchFamily="34" charset="0"/>
+              </a:rPr>
+              <a:t>mình</a:t>
+            </a:r>
+            <a:r>
+              <a:rPr lang="en-US" sz="2000" dirty="0">
+                <a:solidFill>
+                  <a:schemeClr val="bg2">
+                    <a:lumMod val="25000"/>
+                  </a:schemeClr>
+                </a:solidFill>
+                <a:latin typeface="Segoe UI Light" pitchFamily="34" charset="0"/>
+                <a:cs typeface="Segoe UI Light" pitchFamily="34" charset="0"/>
+              </a:rPr>
+              <a:t> </a:t>
+            </a:r>
+            <a:r>
+              <a:rPr lang="en-US" sz="2000" dirty="0" err="1">
+                <a:solidFill>
+                  <a:schemeClr val="bg2">
+                    <a:lumMod val="25000"/>
+                  </a:schemeClr>
+                </a:solidFill>
+                <a:latin typeface="Segoe UI Light" pitchFamily="34" charset="0"/>
+                <a:cs typeface="Segoe UI Light" pitchFamily="34" charset="0"/>
+              </a:rPr>
+              <a:t>thực</a:t>
+            </a:r>
+            <a:r>
+              <a:rPr lang="en-US" sz="2000" dirty="0">
+                <a:solidFill>
+                  <a:schemeClr val="bg2">
+                    <a:lumMod val="25000"/>
+                  </a:schemeClr>
+                </a:solidFill>
+                <a:latin typeface="Segoe UI Light" pitchFamily="34" charset="0"/>
+                <a:cs typeface="Segoe UI Light" pitchFamily="34" charset="0"/>
+              </a:rPr>
+              <a:t> </a:t>
+            </a:r>
+            <a:r>
+              <a:rPr lang="en-US" sz="2000" dirty="0" err="1">
+                <a:solidFill>
+                  <a:schemeClr val="bg2">
+                    <a:lumMod val="25000"/>
+                  </a:schemeClr>
+                </a:solidFill>
+                <a:latin typeface="Segoe UI Light" pitchFamily="34" charset="0"/>
+                <a:cs typeface="Segoe UI Light" pitchFamily="34" charset="0"/>
+              </a:rPr>
+              <a:t>hiện</a:t>
+            </a:r>
+            <a:r>
+              <a:rPr lang="en-US" sz="2000" dirty="0">
+                <a:solidFill>
+                  <a:schemeClr val="bg2">
+                    <a:lumMod val="25000"/>
+                  </a:schemeClr>
+                </a:solidFill>
+                <a:latin typeface="Segoe UI Light" pitchFamily="34" charset="0"/>
+                <a:cs typeface="Segoe UI Light" pitchFamily="34" charset="0"/>
+              </a:rPr>
+              <a:t> </a:t>
+            </a:r>
+            <a:r>
+              <a:rPr lang="en-US" sz="2000" dirty="0" err="1">
+                <a:solidFill>
+                  <a:schemeClr val="bg2">
+                    <a:lumMod val="25000"/>
+                  </a:schemeClr>
+                </a:solidFill>
+                <a:latin typeface="Segoe UI Light" pitchFamily="34" charset="0"/>
+                <a:cs typeface="Segoe UI Light" pitchFamily="34" charset="0"/>
+              </a:rPr>
+              <a:t>đề</a:t>
+            </a:r>
+            <a:r>
+              <a:rPr lang="en-US" sz="2000" dirty="0">
+                <a:solidFill>
+                  <a:schemeClr val="bg2">
+                    <a:lumMod val="25000"/>
+                  </a:schemeClr>
+                </a:solidFill>
+                <a:latin typeface="Segoe UI Light" pitchFamily="34" charset="0"/>
+                <a:cs typeface="Segoe UI Light" pitchFamily="34" charset="0"/>
+              </a:rPr>
+              <a:t> </a:t>
+            </a:r>
+            <a:r>
+              <a:rPr lang="en-US" sz="2000" dirty="0" err="1">
+                <a:solidFill>
+                  <a:schemeClr val="bg2">
+                    <a:lumMod val="25000"/>
+                  </a:schemeClr>
+                </a:solidFill>
+                <a:latin typeface="Segoe UI Light" pitchFamily="34" charset="0"/>
+                <a:cs typeface="Segoe UI Light" pitchFamily="34" charset="0"/>
+              </a:rPr>
+              <a:t>tài</a:t>
+            </a:r>
+            <a:r>
+              <a:rPr lang="en-US" sz="2000" dirty="0">
+                <a:solidFill>
+                  <a:schemeClr val="bg2">
+                    <a:lumMod val="25000"/>
+                  </a:schemeClr>
+                </a:solidFill>
+                <a:latin typeface="Segoe UI Light" pitchFamily="34" charset="0"/>
+                <a:cs typeface="Segoe UI Light" pitchFamily="34" charset="0"/>
+              </a:rPr>
+              <a:t> </a:t>
+            </a:r>
+            <a:r>
+              <a:rPr lang="en-US" sz="2000" dirty="0" err="1">
+                <a:solidFill>
+                  <a:schemeClr val="bg2">
+                    <a:lumMod val="25000"/>
+                  </a:schemeClr>
+                </a:solidFill>
+                <a:latin typeface="Segoe UI Light" pitchFamily="34" charset="0"/>
+                <a:cs typeface="Segoe UI Light" pitchFamily="34" charset="0"/>
+              </a:rPr>
+              <a:t>trên</a:t>
+            </a:r>
+            <a:r>
+              <a:rPr lang="en-US" sz="2000" dirty="0">
+                <a:solidFill>
+                  <a:schemeClr val="bg2">
+                    <a:lumMod val="25000"/>
+                  </a:schemeClr>
+                </a:solidFill>
+                <a:latin typeface="Segoe UI Light" pitchFamily="34" charset="0"/>
+                <a:cs typeface="Segoe UI Light" pitchFamily="34" charset="0"/>
+              </a:rPr>
+              <a:t> </a:t>
+            </a:r>
+            <a:r>
+              <a:rPr lang="en-US" sz="2000" dirty="0" err="1">
+                <a:solidFill>
+                  <a:schemeClr val="bg2">
+                    <a:lumMod val="25000"/>
+                  </a:schemeClr>
+                </a:solidFill>
+                <a:latin typeface="Segoe UI Light" pitchFamily="34" charset="0"/>
+                <a:cs typeface="Segoe UI Light" pitchFamily="34" charset="0"/>
+              </a:rPr>
+              <a:t>ngôn</a:t>
+            </a:r>
+            <a:r>
+              <a:rPr lang="en-US" sz="2000" dirty="0">
+                <a:solidFill>
+                  <a:schemeClr val="bg2">
+                    <a:lumMod val="25000"/>
+                  </a:schemeClr>
+                </a:solidFill>
+                <a:latin typeface="Segoe UI Light" pitchFamily="34" charset="0"/>
+                <a:cs typeface="Segoe UI Light" pitchFamily="34" charset="0"/>
+              </a:rPr>
+              <a:t> </a:t>
+            </a:r>
+            <a:r>
+              <a:rPr lang="en-US" sz="2000" dirty="0" err="1">
+                <a:solidFill>
+                  <a:schemeClr val="bg2">
+                    <a:lumMod val="25000"/>
+                  </a:schemeClr>
+                </a:solidFill>
+                <a:latin typeface="Segoe UI Light" pitchFamily="34" charset="0"/>
+                <a:cs typeface="Segoe UI Light" pitchFamily="34" charset="0"/>
+              </a:rPr>
+              <a:t>ngữ</a:t>
+            </a:r>
+            <a:r>
+              <a:rPr lang="en-US" sz="2000" dirty="0">
+                <a:solidFill>
+                  <a:schemeClr val="bg2">
+                    <a:lumMod val="25000"/>
+                  </a:schemeClr>
+                </a:solidFill>
+                <a:latin typeface="Segoe UI Light" pitchFamily="34" charset="0"/>
+                <a:cs typeface="Segoe UI Light" pitchFamily="34" charset="0"/>
+              </a:rPr>
+              <a:t> </a:t>
+            </a:r>
+            <a:r>
+              <a:rPr lang="en-US" sz="2000" dirty="0" err="1">
+                <a:solidFill>
+                  <a:schemeClr val="bg2">
+                    <a:lumMod val="25000"/>
+                  </a:schemeClr>
+                </a:solidFill>
+                <a:latin typeface="Segoe UI Light" pitchFamily="34" charset="0"/>
+                <a:cs typeface="Segoe UI Light" pitchFamily="34" charset="0"/>
+              </a:rPr>
+              <a:t>mới</a:t>
+            </a:r>
+            <a:r>
+              <a:rPr lang="en-US" sz="2000" dirty="0">
+                <a:solidFill>
+                  <a:schemeClr val="bg2">
+                    <a:lumMod val="25000"/>
+                  </a:schemeClr>
+                </a:solidFill>
+                <a:latin typeface="Segoe UI Light" pitchFamily="34" charset="0"/>
+                <a:cs typeface="Segoe UI Light" pitchFamily="34" charset="0"/>
+              </a:rPr>
+              <a:t> </a:t>
+            </a:r>
+            <a:r>
+              <a:rPr lang="en-US" sz="2000" dirty="0" err="1">
+                <a:solidFill>
+                  <a:schemeClr val="bg2">
+                    <a:lumMod val="25000"/>
+                  </a:schemeClr>
+                </a:solidFill>
+                <a:latin typeface="Segoe UI Light" pitchFamily="34" charset="0"/>
+                <a:cs typeface="Segoe UI Light" pitchFamily="34" charset="0"/>
+              </a:rPr>
+              <a:t>bởi</a:t>
+            </a:r>
+            <a:r>
+              <a:rPr lang="en-US" sz="2000" dirty="0">
+                <a:solidFill>
+                  <a:schemeClr val="bg2">
+                    <a:lumMod val="25000"/>
+                  </a:schemeClr>
+                </a:solidFill>
+                <a:latin typeface="Segoe UI Light" pitchFamily="34" charset="0"/>
+                <a:cs typeface="Segoe UI Light" pitchFamily="34" charset="0"/>
+              </a:rPr>
+              <a:t> </a:t>
+            </a:r>
+            <a:r>
+              <a:rPr lang="en-US" sz="2000" dirty="0" err="1" smtClean="0">
+                <a:solidFill>
+                  <a:schemeClr val="bg2">
+                    <a:lumMod val="25000"/>
+                  </a:schemeClr>
+                </a:solidFill>
+                <a:latin typeface="Segoe UI Light" pitchFamily="34" charset="0"/>
+                <a:cs typeface="Segoe UI Light" pitchFamily="34" charset="0"/>
+              </a:rPr>
+              <a:t>một</a:t>
+            </a:r>
+            <a:r>
+              <a:rPr lang="en-US" sz="2000" dirty="0" smtClean="0">
+                <a:solidFill>
+                  <a:schemeClr val="bg2">
+                    <a:lumMod val="25000"/>
+                  </a:schemeClr>
+                </a:solidFill>
+                <a:latin typeface="Segoe UI Light" pitchFamily="34" charset="0"/>
+                <a:cs typeface="Segoe UI Light" pitchFamily="34" charset="0"/>
+              </a:rPr>
+              <a:t> số </a:t>
+            </a:r>
+            <a:r>
+              <a:rPr lang="en-US" sz="2000" dirty="0" err="1">
+                <a:solidFill>
+                  <a:schemeClr val="bg2">
+                    <a:lumMod val="25000"/>
+                  </a:schemeClr>
+                </a:solidFill>
+                <a:latin typeface="Segoe UI Light" pitchFamily="34" charset="0"/>
+                <a:cs typeface="Segoe UI Light" pitchFamily="34" charset="0"/>
+              </a:rPr>
+              <a:t>lý</a:t>
+            </a:r>
+            <a:r>
+              <a:rPr lang="en-US" sz="2000" dirty="0">
+                <a:solidFill>
+                  <a:schemeClr val="bg2">
+                    <a:lumMod val="25000"/>
+                  </a:schemeClr>
+                </a:solidFill>
+                <a:latin typeface="Segoe UI Light" pitchFamily="34" charset="0"/>
+                <a:cs typeface="Segoe UI Light" pitchFamily="34" charset="0"/>
+              </a:rPr>
+              <a:t> do </a:t>
+            </a:r>
+            <a:r>
+              <a:rPr lang="en-US" sz="2000" dirty="0" err="1">
+                <a:solidFill>
+                  <a:schemeClr val="bg2">
+                    <a:lumMod val="25000"/>
+                  </a:schemeClr>
+                </a:solidFill>
+                <a:latin typeface="Segoe UI Light" pitchFamily="34" charset="0"/>
+                <a:cs typeface="Segoe UI Light" pitchFamily="34" charset="0"/>
+              </a:rPr>
+              <a:t>sau</a:t>
+            </a:r>
+            <a:r>
+              <a:rPr lang="en-US" sz="2000" dirty="0">
+                <a:solidFill>
+                  <a:schemeClr val="bg2">
+                    <a:lumMod val="25000"/>
+                  </a:schemeClr>
+                </a:solidFill>
+                <a:latin typeface="Segoe UI Light" pitchFamily="34" charset="0"/>
+                <a:cs typeface="Segoe UI Light" pitchFamily="34" charset="0"/>
+              </a:rPr>
+              <a:t>:</a:t>
             </a:r>
           </a:p>
           <a:p>
@@ -7576,7 +8141,7 @@
               <a:buChar char="•"/>
             </a:pPr>
             <a:r>
-              <a:rPr lang="vi-VN" sz="2000">
+              <a:rPr lang="vi-VN" sz="2000" dirty="0">
                 <a:solidFill>
                   <a:schemeClr val="bg2">
                     <a:lumMod val="25000"/>
@@ -7587,7 +8152,7 @@
               </a:rPr>
               <a:t>Dùng mô hình MVC để chia ứng dụng ASP.NET MVC ra làm 3 phần chính là Model, View, và Controller điều này làm cho việc phát triển các ứng dụng lớn có độ phức tạp cao được dễ dàng hơn và dễ bào trì hơn.</a:t>
             </a:r>
-            <a:endParaRPr lang="en-US" sz="2000">
+            <a:endParaRPr lang="en-US" sz="2000" dirty="0">
               <a:solidFill>
                 <a:schemeClr val="bg2">
                   <a:lumMod val="25000"/>
@@ -7603,7 +8168,7 @@
               <a:buChar char="•"/>
             </a:pPr>
             <a:r>
-              <a:rPr lang="vi-VN" sz="2000">
+              <a:rPr lang="vi-VN" sz="2000" dirty="0">
                 <a:solidFill>
                   <a:schemeClr val="bg2">
                     <a:lumMod val="25000"/>
@@ -7614,7 +8179,7 @@
               </a:rPr>
               <a:t>Việc kiểm tra rà soát lỗi của phần mềm trước khi nó đến tay người sử dụng cũng dễ dàng hơn rất nhiều với mô hình MVC</a:t>
             </a:r>
-            <a:endParaRPr lang="en-US" sz="2000">
+            <a:endParaRPr lang="en-US" sz="2000" dirty="0">
               <a:solidFill>
                 <a:schemeClr val="bg2">
                   <a:lumMod val="25000"/>
@@ -7630,7 +8195,7 @@
               <a:buChar char="•"/>
             </a:pPr>
             <a:r>
-              <a:rPr lang="en-US" sz="2000">
+              <a:rPr lang="en-US" sz="2000" dirty="0">
                 <a:solidFill>
                   <a:schemeClr val="bg2">
                     <a:lumMod val="25000"/>
@@ -7639,7 +8204,103 @@
                 <a:latin typeface="Segoe UI Light" pitchFamily="34" charset="0"/>
                 <a:cs typeface="Segoe UI Light" pitchFamily="34" charset="0"/>
               </a:rPr>
-              <a:t>Làm giảm băng thông request đến server</a:t>
+              <a:t>Làm </a:t>
+            </a:r>
+            <a:r>
+              <a:rPr lang="en-US" sz="2000" dirty="0" err="1">
+                <a:solidFill>
+                  <a:schemeClr val="bg2">
+                    <a:lumMod val="25000"/>
+                  </a:schemeClr>
+                </a:solidFill>
+                <a:latin typeface="Segoe UI Light" pitchFamily="34" charset="0"/>
+                <a:cs typeface="Segoe UI Light" pitchFamily="34" charset="0"/>
+              </a:rPr>
+              <a:t>giảm</a:t>
+            </a:r>
+            <a:r>
+              <a:rPr lang="en-US" sz="2000" dirty="0">
+                <a:solidFill>
+                  <a:schemeClr val="bg2">
+                    <a:lumMod val="25000"/>
+                  </a:schemeClr>
+                </a:solidFill>
+                <a:latin typeface="Segoe UI Light" pitchFamily="34" charset="0"/>
+                <a:cs typeface="Segoe UI Light" pitchFamily="34" charset="0"/>
+              </a:rPr>
+              <a:t> </a:t>
+            </a:r>
+            <a:r>
+              <a:rPr lang="en-US" sz="2000" dirty="0" err="1">
+                <a:solidFill>
+                  <a:schemeClr val="bg2">
+                    <a:lumMod val="25000"/>
+                  </a:schemeClr>
+                </a:solidFill>
+                <a:latin typeface="Segoe UI Light" pitchFamily="34" charset="0"/>
+                <a:cs typeface="Segoe UI Light" pitchFamily="34" charset="0"/>
+              </a:rPr>
+              <a:t>băng</a:t>
+            </a:r>
+            <a:r>
+              <a:rPr lang="en-US" sz="2000" dirty="0">
+                <a:solidFill>
+                  <a:schemeClr val="bg2">
+                    <a:lumMod val="25000"/>
+                  </a:schemeClr>
+                </a:solidFill>
+                <a:latin typeface="Segoe UI Light" pitchFamily="34" charset="0"/>
+                <a:cs typeface="Segoe UI Light" pitchFamily="34" charset="0"/>
+              </a:rPr>
+              <a:t> </a:t>
+            </a:r>
+            <a:r>
+              <a:rPr lang="en-US" sz="2000" dirty="0" err="1">
+                <a:solidFill>
+                  <a:schemeClr val="bg2">
+                    <a:lumMod val="25000"/>
+                  </a:schemeClr>
+                </a:solidFill>
+                <a:latin typeface="Segoe UI Light" pitchFamily="34" charset="0"/>
+                <a:cs typeface="Segoe UI Light" pitchFamily="34" charset="0"/>
+              </a:rPr>
+              <a:t>thông</a:t>
+            </a:r>
+            <a:r>
+              <a:rPr lang="en-US" sz="2000" dirty="0">
+                <a:solidFill>
+                  <a:schemeClr val="bg2">
+                    <a:lumMod val="25000"/>
+                  </a:schemeClr>
+                </a:solidFill>
+                <a:latin typeface="Segoe UI Light" pitchFamily="34" charset="0"/>
+                <a:cs typeface="Segoe UI Light" pitchFamily="34" charset="0"/>
+              </a:rPr>
+              <a:t> request </a:t>
+            </a:r>
+            <a:r>
+              <a:rPr lang="en-US" sz="2000" dirty="0" err="1">
+                <a:solidFill>
+                  <a:schemeClr val="bg2">
+                    <a:lumMod val="25000"/>
+                  </a:schemeClr>
+                </a:solidFill>
+                <a:latin typeface="Segoe UI Light" pitchFamily="34" charset="0"/>
+                <a:cs typeface="Segoe UI Light" pitchFamily="34" charset="0"/>
+              </a:rPr>
+              <a:t>đến</a:t>
+            </a:r>
+            <a:r>
+              <a:rPr lang="en-US" sz="2000" dirty="0">
+                <a:solidFill>
+                  <a:schemeClr val="bg2">
+                    <a:lumMod val="25000"/>
+                  </a:schemeClr>
+                </a:solidFill>
+                <a:latin typeface="Segoe UI Light" pitchFamily="34" charset="0"/>
+                <a:cs typeface="Segoe UI Light" pitchFamily="34" charset="0"/>
+              </a:rPr>
+              <a:t> server</a:t>
             </a:r>
           </a:p>
           <a:p>
@@ -7648,7 +8309,7 @@
               <a:buChar char="•"/>
             </a:pPr>
             <a:r>
-              <a:rPr lang="vi-VN" sz="2000">
+              <a:rPr lang="vi-VN" sz="2000" dirty="0">
                 <a:solidFill>
                   <a:schemeClr val="bg2">
                     <a:lumMod val="25000"/>
@@ -7657,10 +8318,10 @@
                 <a:latin typeface="Segoe UI Light" panose="020B0502040204020203" pitchFamily="34" charset="0"/>
                 <a:cs typeface="Segoe UI Light" panose="020B0502040204020203" pitchFamily="34" charset="0"/>
               </a:rPr>
-              <a:t>Cơ chế định tuyến URL giúp đỡ cho việc tối ưu hóa công cụ tìm kiếm (Google, Bing</a:t>
-            </a:r>
-            <a:r>
-              <a:rPr lang="vi-VN" sz="2000">
+              <a:t>Cơ chế định tuyến URL giúp đỡ cho việc tối ưu hóa công cụ tìm kiếm (Google, Bing, </a:t>
+            </a:r>
+            <a:r>
+              <a:rPr lang="vi-VN" sz="2000" dirty="0" smtClean="0">
                 <a:solidFill>
                   <a:schemeClr val="bg2">
                     <a:lumMod val="25000"/>
@@ -7669,21 +8330,9 @@
                 <a:latin typeface="Segoe UI Light" panose="020B0502040204020203" pitchFamily="34" charset="0"/>
                 <a:cs typeface="Segoe UI Light" panose="020B0502040204020203" pitchFamily="34" charset="0"/>
               </a:rPr>
-              <a:t>, </a:t>
-            </a:r>
-            <a:r>
-              <a:rPr lang="vi-VN" sz="2000" smtClean="0">
-                <a:solidFill>
-                  <a:schemeClr val="bg2">
-                    <a:lumMod val="25000"/>
-                  </a:schemeClr>
-                </a:solidFill>
-                <a:latin typeface="Segoe UI Light" panose="020B0502040204020203" pitchFamily="34" charset="0"/>
-                <a:cs typeface="Segoe UI Light" panose="020B0502040204020203" pitchFamily="34" charset="0"/>
-              </a:rPr>
               <a:t>…)</a:t>
             </a:r>
-            <a:endParaRPr lang="vi-VN" sz="2000">
+            <a:endParaRPr lang="vi-VN" sz="2000" dirty="0">
               <a:solidFill>
                 <a:schemeClr val="bg2">
                   <a:lumMod val="25000"/>

--- a/BaoCao/BaoCaov1.pptx
+++ b/BaoCao/BaoCaov1.pptx
@@ -5167,7 +5167,7 @@
         <p:spPr>
           <a:xfrm>
             <a:off x="3048001" y="1130538"/>
-            <a:ext cx="5791199" cy="4965462"/>
+            <a:ext cx="5791199" cy="4349909"/>
           </a:xfrm>
           <a:prstGeom prst="rect">
             <a:avLst/>
@@ -5201,20 +5201,24 @@
           <a:p>
             <a:pPr lvl="1" algn="just"/>
             <a:r>
-              <a:rPr lang="en-US" dirty="0"/>
+              <a:rPr lang="en-US" smtClean="0"/>
               <a:t>Đ</a:t>
             </a:r>
             <a:r>
+              <a:rPr lang="vi-VN" smtClean="0"/>
+              <a:t>ời sống con người ngày càng nâng cao, nhu cầu về giải trí, thư giãn trở thành một nhu cầu cần thiết. </a:t>
+            </a:r>
+            <a:endParaRPr lang="en-US" smtClean="0"/>
+          </a:p>
+          <a:p>
+            <a:pPr lvl="1" algn="just"/>
+            <a:r>
+              <a:rPr lang="vi-VN" smtClean="0"/>
+              <a:t>Du </a:t>
+            </a:r>
+            <a:r>
               <a:rPr lang="vi-VN" dirty="0"/>
-              <a:t>ời sống con người ngày càng nâng cao, nhu cầu về giải trí, thư giãn trở thành một nhu cầu cần thiết. Sự phát triển của các ngành nghề du lịch trong những năm gần đây đã khẳng định cho điều đó.</a:t>
-            </a:r>
-            <a:endParaRPr lang="en-US" dirty="0"/>
-          </a:p>
-          <a:p>
-            <a:pPr lvl="1" algn="just"/>
-            <a:r>
-              <a:rPr lang="vi-VN" dirty="0"/>
-              <a:t>Du lịch Đà Lạt luôn là điểm đến thu hút nhiều du khách không chỉ bởi khí hậu mà còn là quang cảnh thiên nhiên tuyệt vời.Trong số các cảnh đẹp của Đà Lạt, Thung lũng Tình yêu là một trong những thắng cảnh Du lịch nổi tiếng đã đi vào tiềm thức của mỗi người dân cũng như các du khách từ mọi miền đất nước.</a:t>
+              <a:t>lịch Đà Lạt luôn là điểm đến thu hút nhiều du khách không chỉ bởi khí hậu mà còn là quang cảnh thiên nhiên tuyệt vời.Trong số các cảnh đẹp của Đà Lạt, Thung lũng Tình yêu là một trong những thắng cảnh Du lịch nổi tiếng đã đi vào tiềm thức của mỗi người dân cũng như các du khách từ mọi miền đất nước.</a:t>
             </a:r>
             <a:endParaRPr lang="en-US" dirty="0"/>
           </a:p>
@@ -7495,7 +7499,7 @@
         </p:nvSpPr>
         <p:spPr>
           <a:xfrm>
-            <a:off x="3048000" y="1259919"/>
+            <a:off x="6324600" y="1072538"/>
             <a:ext cx="5867400" cy="5324535"/>
           </a:xfrm>
           <a:prstGeom prst="rect">
@@ -7657,19 +7661,7 @@
                 <a:latin typeface="Segoe UI Light" panose="020B0502040204020203" pitchFamily="34" charset="0"/>
                 <a:cs typeface="Segoe UI Light" panose="020B0502040204020203" pitchFamily="34" charset="0"/>
               </a:rPr>
-              <a:t>Cơ chế định tuyến URL giúp đỡ cho việc tối ưu hóa công cụ tìm kiếm (Google, Bing</a:t>
-            </a:r>
-            <a:r>
-              <a:rPr lang="vi-VN" sz="2000">
-                <a:solidFill>
-                  <a:schemeClr val="bg2">
-                    <a:lumMod val="25000"/>
-                  </a:schemeClr>
-                </a:solidFill>
-                <a:latin typeface="Segoe UI Light" panose="020B0502040204020203" pitchFamily="34" charset="0"/>
-                <a:cs typeface="Segoe UI Light" panose="020B0502040204020203" pitchFamily="34" charset="0"/>
-              </a:rPr>
-              <a:t>, </a:t>
+              <a:t>Cơ chế định tuyến URL giúp đỡ cho việc tối ưu hóa công cụ tìm kiếm (Google, Bing, </a:t>
             </a:r>
             <a:r>
               <a:rPr lang="vi-VN" sz="2000" smtClean="0">
@@ -10245,7 +10237,7 @@
         </p:nvSpPr>
         <p:spPr>
           <a:xfrm>
-            <a:off x="3048000" y="1107519"/>
+            <a:off x="5715000" y="1270039"/>
             <a:ext cx="5562600" cy="2092881"/>
           </a:xfrm>
           <a:prstGeom prst="rect">
